--- a/doc/tsduck-ibc2018.pptx
+++ b/doc/tsduck-ibc2018.pptx
@@ -15,8 +15,8 @@
     <p:sldId id="257" r:id="rId3"/>
     <p:sldId id="259" r:id="rId4"/>
     <p:sldId id="293" r:id="rId5"/>
-    <p:sldId id="260" r:id="rId6"/>
-    <p:sldId id="271" r:id="rId7"/>
+    <p:sldId id="271" r:id="rId6"/>
+    <p:sldId id="260" r:id="rId7"/>
     <p:sldId id="294" r:id="rId8"/>
     <p:sldId id="295" r:id="rId9"/>
     <p:sldId id="275" r:id="rId10"/>
@@ -206,7 +206,7 @@
           <a:p>
             <a:fld id="{C55B0BA7-B0E2-4C07-8528-84B7AE1BAF72}" type="datetimeFigureOut">
               <a:rPr lang="en-US" smtClean="0"/>
-              <a:t>2018-08-21</a:t>
+              <a:t>2018-08-27</a:t>
             </a:fld>
             <a:endParaRPr lang="en-US"/>
           </a:p>
@@ -372,7 +372,7 @@
           <a:p>
             <a:fld id="{66F6DD61-880C-4F33-96A2-51E92479021F}" type="datetimeFigureOut">
               <a:rPr lang="en-US" smtClean="0"/>
-              <a:t>2018-08-21</a:t>
+              <a:t>2018-08-27</a:t>
             </a:fld>
             <a:endParaRPr lang="en-US" dirty="0"/>
           </a:p>
@@ -1219,7 +1219,7 @@
     </p:spTree>
     <p:extLst>
       <p:ext uri="{BB962C8B-B14F-4D97-AF65-F5344CB8AC3E}">
-        <p14:creationId xmlns:p14="http://schemas.microsoft.com/office/powerpoint/2010/main" val="2500963710"/>
+        <p14:creationId xmlns:p14="http://schemas.microsoft.com/office/powerpoint/2010/main" val="1768222507"/>
       </p:ext>
     </p:extLst>
   </p:cSld>
@@ -1303,7 +1303,7 @@
     </p:spTree>
     <p:extLst>
       <p:ext uri="{BB962C8B-B14F-4D97-AF65-F5344CB8AC3E}">
-        <p14:creationId xmlns:p14="http://schemas.microsoft.com/office/powerpoint/2010/main" val="1768222507"/>
+        <p14:creationId xmlns:p14="http://schemas.microsoft.com/office/powerpoint/2010/main" val="2500963710"/>
       </p:ext>
     </p:extLst>
   </p:cSld>
@@ -4686,11 +4686,7 @@
             <a:pPr lvl="1"/>
             <a:r>
               <a:rPr lang="en-US" dirty="0" smtClean="0"/>
-              <a:t>made for </a:t>
-            </a:r>
-            <a:r>
-              <a:rPr lang="en-US" dirty="0" smtClean="0"/>
-              <a:t>scripting</a:t>
+              <a:t>made for scripting</a:t>
             </a:r>
           </a:p>
           <a:p>
@@ -4899,7 +4895,6 @@
               <a:rPr lang="en-US" dirty="0" smtClean="0"/>
               <a:t>lab activities in general</a:t>
             </a:r>
-            <a:endParaRPr lang="en-US" dirty="0" smtClean="0"/>
           </a:p>
         </p:txBody>
       </p:sp>
@@ -5284,160 +5279,6 @@
       </p:grpSpPr>
       <p:sp>
         <p:nvSpPr>
-          <p:cNvPr id="2" name="Espace réservé du contenu 1"/>
-          <p:cNvSpPr>
-            <a:spLocks noGrp="1"/>
-          </p:cNvSpPr>
-          <p:nvPr>
-            <p:ph idx="1"/>
-          </p:nvPr>
-        </p:nvSpPr>
-        <p:spPr/>
-        <p:txBody>
-          <a:bodyPr>
-            <a:normAutofit/>
-          </a:bodyPr>
-          <a:lstStyle/>
-          <a:p>
-            <a:pPr marL="0" indent="0">
-              <a:lnSpc>
-                <a:spcPct val="90000"/>
-              </a:lnSpc>
-              <a:buNone/>
-            </a:pPr>
-            <a:r>
-              <a:rPr lang="en-US" dirty="0" smtClean="0"/>
-              <a:t>Offline transport stream files</a:t>
-            </a:r>
-          </a:p>
-          <a:p>
-            <a:pPr marL="0" indent="0">
-              <a:lnSpc>
-                <a:spcPct val="90000"/>
-              </a:lnSpc>
-              <a:buNone/>
-            </a:pPr>
-            <a:r>
-              <a:rPr lang="en-US" dirty="0"/>
-              <a:t>Re-route transport streams to / from other applications</a:t>
-            </a:r>
-          </a:p>
-          <a:p>
-            <a:pPr marL="0" indent="0">
-              <a:lnSpc>
-                <a:spcPct val="90000"/>
-              </a:lnSpc>
-              <a:buNone/>
-            </a:pPr>
-            <a:r>
-              <a:rPr lang="en-US" dirty="0" smtClean="0"/>
-              <a:t>Live </a:t>
-            </a:r>
-            <a:r>
-              <a:rPr lang="en-US" dirty="0"/>
-              <a:t>transport </a:t>
-            </a:r>
-            <a:r>
-              <a:rPr lang="en-US" dirty="0" smtClean="0"/>
-              <a:t>streams</a:t>
-            </a:r>
-          </a:p>
-          <a:p>
-            <a:pPr lvl="1">
-              <a:lnSpc>
-                <a:spcPct val="90000"/>
-              </a:lnSpc>
-            </a:pPr>
-            <a:r>
-              <a:rPr lang="en-US" dirty="0" smtClean="0"/>
-              <a:t>UDP/IP, HTTP</a:t>
-            </a:r>
-          </a:p>
-          <a:p>
-            <a:pPr lvl="1">
-              <a:lnSpc>
-                <a:spcPct val="90000"/>
-              </a:lnSpc>
-            </a:pPr>
-            <a:r>
-              <a:rPr lang="en-US" dirty="0" smtClean="0"/>
-              <a:t>Specialized hardware</a:t>
-            </a:r>
-          </a:p>
-          <a:p>
-            <a:pPr lvl="2">
-              <a:lnSpc>
-                <a:spcPct val="90000"/>
-              </a:lnSpc>
-            </a:pPr>
-            <a:r>
-              <a:rPr lang="en-US" dirty="0" smtClean="0"/>
-              <a:t>cheap </a:t>
-            </a:r>
-            <a:r>
-              <a:rPr lang="en-US" dirty="0"/>
-              <a:t>DVB </a:t>
-            </a:r>
-            <a:r>
-              <a:rPr lang="en-US" dirty="0" smtClean="0"/>
-              <a:t>tuners</a:t>
-            </a:r>
-          </a:p>
-          <a:p>
-            <a:pPr lvl="2">
-              <a:lnSpc>
-                <a:spcPct val="90000"/>
-              </a:lnSpc>
-            </a:pPr>
-            <a:r>
-              <a:rPr lang="en-US" dirty="0" smtClean="0"/>
-              <a:t>professional </a:t>
-            </a:r>
-            <a:r>
-              <a:rPr lang="en-US" dirty="0"/>
-              <a:t>Dektec </a:t>
-            </a:r>
-            <a:r>
-              <a:rPr lang="en-US" dirty="0" smtClean="0"/>
-              <a:t>devices</a:t>
-            </a:r>
-          </a:p>
-          <a:p>
-            <a:pPr lvl="2">
-              <a:lnSpc>
-                <a:spcPct val="90000"/>
-              </a:lnSpc>
-            </a:pPr>
-            <a:r>
-              <a:rPr lang="en-US" dirty="0" smtClean="0"/>
-              <a:t>cheap </a:t>
-            </a:r>
-            <a:r>
-              <a:rPr lang="en-US" dirty="0" err="1"/>
-              <a:t>HiDes</a:t>
-            </a:r>
-            <a:r>
-              <a:rPr lang="en-US" dirty="0"/>
-              <a:t> </a:t>
-            </a:r>
-            <a:r>
-              <a:rPr lang="en-US" dirty="0" smtClean="0"/>
-              <a:t>modulators</a:t>
-            </a:r>
-            <a:endParaRPr lang="en-US" dirty="0"/>
-          </a:p>
-          <a:p>
-            <a:pPr>
-              <a:lnSpc>
-                <a:spcPct val="90000"/>
-              </a:lnSpc>
-            </a:pPr>
-            <a:endParaRPr lang="en-US" dirty="0" smtClean="0"/>
-          </a:p>
-        </p:txBody>
-      </p:sp>
-      <p:sp>
-        <p:nvSpPr>
           <p:cNvPr id="3" name="Titre 2"/>
           <p:cNvSpPr>
             <a:spLocks noGrp="1"/>
@@ -5452,209 +5293,942 @@
           <a:lstStyle/>
           <a:p>
             <a:r>
-              <a:rPr lang="en-US" dirty="0" smtClean="0"/>
-              <a:t>TSDuck input / output</a:t>
-            </a:r>
-            <a:endParaRPr lang="en-US" dirty="0"/>
-          </a:p>
-        </p:txBody>
-      </p:sp>
-      <p:pic>
-        <p:nvPicPr>
-          <p:cNvPr id="3074" name="Picture 2"/>
-          <p:cNvPicPr>
-            <a:picLocks noChangeAspect="1" noChangeArrowheads="1"/>
-          </p:cNvPicPr>
-          <p:nvPr/>
-        </p:nvPicPr>
-        <p:blipFill>
-          <a:blip r:embed="rId3" cstate="print">
-            <a:extLst>
-              <a:ext uri="{28A0092B-C50C-407E-A947-70E740481C1C}">
-                <a14:useLocalDpi xmlns:a14="http://schemas.microsoft.com/office/drawing/2010/main" val="0"/>
-              </a:ext>
-            </a:extLst>
-          </a:blip>
-          <a:srcRect/>
-          <a:stretch>
-            <a:fillRect/>
-          </a:stretch>
-        </p:blipFill>
-        <p:spPr bwMode="auto">
-          <a:xfrm>
-            <a:off x="5785276" y="2563396"/>
-            <a:ext cx="1883068" cy="1448514"/>
+              <a:rPr lang="en-US" dirty="0"/>
+              <a:t>TSP – the transport stream processor</a:t>
+            </a:r>
+          </a:p>
+        </p:txBody>
+      </p:sp>
+      <p:sp>
+        <p:nvSpPr>
+          <p:cNvPr id="23" name="Rectangle à coins arrondis 22"/>
+          <p:cNvSpPr/>
+          <p:nvPr/>
+        </p:nvSpPr>
+        <p:spPr>
+          <a:xfrm>
+            <a:off x="532224" y="1131590"/>
+            <a:ext cx="8192393" cy="2426997"/>
+          </a:xfrm>
+          <a:prstGeom prst="roundRect">
+            <a:avLst>
+              <a:gd name="adj" fmla="val 3969"/>
+            </a:avLst>
+          </a:prstGeom>
+          <a:solidFill>
+            <a:srgbClr val="70AD47">
+              <a:lumMod val="40000"/>
+              <a:lumOff val="60000"/>
+            </a:srgbClr>
+          </a:solidFill>
+          <a:ln w="12700" cap="flat" cmpd="sng" algn="ctr">
+            <a:noFill/>
+            <a:prstDash val="solid"/>
+            <a:miter lim="800000"/>
+          </a:ln>
+          <a:effectLst/>
+        </p:spPr>
+        <p:txBody>
+          <a:bodyPr tIns="0" rtlCol="0" anchor="t" anchorCtr="0"/>
+          <a:lstStyle/>
+          <a:p>
+            <a:pPr marL="0" marR="0" lvl="0" indent="0" algn="ctr" defTabSz="914400" eaLnBrk="1" fontAlgn="auto" latinLnBrk="0" hangingPunct="1">
+              <a:lnSpc>
+                <a:spcPct val="100000"/>
+              </a:lnSpc>
+              <a:spcBef>
+                <a:spcPts val="0"/>
+              </a:spcBef>
+              <a:spcAft>
+                <a:spcPts val="0"/>
+              </a:spcAft>
+              <a:buClrTx/>
+              <a:buSzTx/>
+              <a:buFontTx/>
+              <a:buNone/>
+              <a:tabLst/>
+              <a:defRPr/>
+            </a:pPr>
+            <a:r>
+              <a:rPr kumimoji="0" lang="en-US" sz="1600" b="1" i="0" u="none" strike="noStrike" kern="0" cap="none" spc="0" normalizeH="0" baseline="0" noProof="0" dirty="0" smtClean="0">
+                <a:ln>
+                  <a:noFill/>
+                </a:ln>
+                <a:solidFill>
+                  <a:prstClr val="black"/>
+                </a:solidFill>
+                <a:effectLst/>
+                <a:uLnTx/>
+                <a:uFillTx/>
+                <a:ea typeface="Arial Rounded MT Bold" charset="0"/>
+                <a:cs typeface="Arial Rounded MT Bold" charset="0"/>
+              </a:rPr>
+              <a:t>tsp process</a:t>
+            </a:r>
+          </a:p>
+        </p:txBody>
+      </p:sp>
+      <p:sp>
+        <p:nvSpPr>
+          <p:cNvPr id="24" name="Rectangle à coins arrondis 23"/>
+          <p:cNvSpPr/>
+          <p:nvPr/>
+        </p:nvSpPr>
+        <p:spPr>
+          <a:xfrm>
+            <a:off x="865040" y="1530969"/>
+            <a:ext cx="7526761" cy="604189"/>
+          </a:xfrm>
+          <a:prstGeom prst="roundRect">
+            <a:avLst/>
+          </a:prstGeom>
+          <a:solidFill>
+            <a:srgbClr val="1F8A4C"/>
+          </a:solidFill>
+          <a:ln w="12700" cap="flat" cmpd="sng" algn="ctr">
+            <a:noFill/>
+            <a:prstDash val="solid"/>
+            <a:miter lim="800000"/>
+          </a:ln>
+          <a:effectLst/>
+        </p:spPr>
+        <p:txBody>
+          <a:bodyPr tIns="0" rtlCol="0" anchor="t" anchorCtr="0"/>
+          <a:lstStyle/>
+          <a:p>
+            <a:pPr marL="0" marR="0" lvl="0" indent="0" algn="ctr" defTabSz="914400" eaLnBrk="1" fontAlgn="auto" latinLnBrk="0" hangingPunct="1">
+              <a:lnSpc>
+                <a:spcPct val="100000"/>
+              </a:lnSpc>
+              <a:spcBef>
+                <a:spcPts val="0"/>
+              </a:spcBef>
+              <a:spcAft>
+                <a:spcPts val="0"/>
+              </a:spcAft>
+              <a:buClrTx/>
+              <a:buSzTx/>
+              <a:buFontTx/>
+              <a:buNone/>
+              <a:tabLst/>
+              <a:defRPr/>
+            </a:pPr>
+            <a:r>
+              <a:rPr kumimoji="0" lang="en-US" sz="1200" b="1" i="0" u="none" strike="noStrike" kern="0" cap="none" spc="0" normalizeH="0" baseline="0" noProof="0" dirty="0" smtClean="0">
+                <a:ln>
+                  <a:noFill/>
+                </a:ln>
+                <a:solidFill>
+                  <a:prstClr val="white"/>
+                </a:solidFill>
+                <a:effectLst/>
+                <a:uLnTx/>
+                <a:uFillTx/>
+                <a:ea typeface="Arial Rounded MT Bold" charset="0"/>
+                <a:cs typeface="Arial Rounded MT Bold" charset="0"/>
+              </a:rPr>
+              <a:t>tsp executable</a:t>
+            </a:r>
+          </a:p>
+        </p:txBody>
+      </p:sp>
+      <p:sp>
+        <p:nvSpPr>
+          <p:cNvPr id="25" name="Rectangle à coins arrondis 24"/>
+          <p:cNvSpPr/>
+          <p:nvPr/>
+        </p:nvSpPr>
+        <p:spPr>
+          <a:xfrm>
+            <a:off x="4055916" y="2378369"/>
+            <a:ext cx="1141813" cy="890923"/>
+          </a:xfrm>
+          <a:prstGeom prst="roundRect">
+            <a:avLst/>
+          </a:prstGeom>
+          <a:solidFill>
+            <a:srgbClr val="1F8A4C"/>
+          </a:solidFill>
+          <a:ln w="12700" cap="flat" cmpd="sng" algn="ctr">
+            <a:noFill/>
+            <a:prstDash val="solid"/>
+            <a:miter lim="800000"/>
+          </a:ln>
+          <a:effectLst/>
+        </p:spPr>
+        <p:txBody>
+          <a:bodyPr lIns="36000" rIns="36000" rtlCol="0" anchor="ctr"/>
+          <a:lstStyle/>
+          <a:p>
+            <a:pPr marL="0" marR="0" lvl="0" indent="0" algn="ctr" defTabSz="914400" eaLnBrk="1" fontAlgn="auto" latinLnBrk="0" hangingPunct="1">
+              <a:lnSpc>
+                <a:spcPct val="100000"/>
+              </a:lnSpc>
+              <a:spcBef>
+                <a:spcPts val="0"/>
+              </a:spcBef>
+              <a:spcAft>
+                <a:spcPts val="0"/>
+              </a:spcAft>
+              <a:buClrTx/>
+              <a:buSzTx/>
+              <a:buFontTx/>
+              <a:buNone/>
+              <a:tabLst/>
+              <a:defRPr/>
+            </a:pPr>
+            <a:r>
+              <a:rPr kumimoji="0" lang="en-US" sz="1100" b="1" i="0" u="none" strike="noStrike" kern="0" cap="none" spc="0" normalizeH="0" baseline="0" noProof="0" dirty="0" smtClean="0">
+                <a:ln>
+                  <a:noFill/>
+                </a:ln>
+                <a:solidFill>
+                  <a:prstClr val="white"/>
+                </a:solidFill>
+                <a:effectLst/>
+                <a:uLnTx/>
+                <a:uFillTx/>
+                <a:ea typeface="Arial Rounded MT Bold" charset="0"/>
+                <a:cs typeface="Arial Rounded MT Bold" charset="0"/>
+              </a:rPr>
+              <a:t>packet processing plugin 2</a:t>
+            </a:r>
+          </a:p>
+        </p:txBody>
+      </p:sp>
+      <p:sp>
+        <p:nvSpPr>
+          <p:cNvPr id="26" name="Rectangle à coins arrondis 25"/>
+          <p:cNvSpPr/>
+          <p:nvPr/>
+        </p:nvSpPr>
+        <p:spPr>
+          <a:xfrm>
+            <a:off x="2460478" y="2378369"/>
+            <a:ext cx="1141813" cy="890923"/>
+          </a:xfrm>
+          <a:prstGeom prst="roundRect">
+            <a:avLst/>
+          </a:prstGeom>
+          <a:solidFill>
+            <a:srgbClr val="1F8A4C"/>
+          </a:solidFill>
+          <a:ln w="12700" cap="flat" cmpd="sng" algn="ctr">
+            <a:noFill/>
+            <a:prstDash val="solid"/>
+            <a:miter lim="800000"/>
+          </a:ln>
+          <a:effectLst/>
+        </p:spPr>
+        <p:txBody>
+          <a:bodyPr lIns="36000" rIns="36000" rtlCol="0" anchor="ctr"/>
+          <a:lstStyle/>
+          <a:p>
+            <a:pPr marL="0" marR="0" lvl="0" indent="0" algn="ctr" defTabSz="914400" eaLnBrk="1" fontAlgn="auto" latinLnBrk="0" hangingPunct="1">
+              <a:lnSpc>
+                <a:spcPct val="100000"/>
+              </a:lnSpc>
+              <a:spcBef>
+                <a:spcPts val="0"/>
+              </a:spcBef>
+              <a:spcAft>
+                <a:spcPts val="0"/>
+              </a:spcAft>
+              <a:buClrTx/>
+              <a:buSzTx/>
+              <a:buFontTx/>
+              <a:buNone/>
+              <a:tabLst/>
+              <a:defRPr/>
+            </a:pPr>
+            <a:r>
+              <a:rPr kumimoji="0" lang="en-US" sz="1100" b="1" i="0" u="none" strike="noStrike" kern="0" cap="none" spc="0" normalizeH="0" baseline="0" noProof="0" dirty="0" smtClean="0">
+                <a:ln>
+                  <a:noFill/>
+                </a:ln>
+                <a:solidFill>
+                  <a:prstClr val="white"/>
+                </a:solidFill>
+                <a:effectLst/>
+                <a:uLnTx/>
+                <a:uFillTx/>
+                <a:ea typeface="Arial Rounded MT Bold" charset="0"/>
+                <a:cs typeface="Arial Rounded MT Bold" charset="0"/>
+              </a:rPr>
+              <a:t>packet processing plugin 1</a:t>
+            </a:r>
+          </a:p>
+        </p:txBody>
+      </p:sp>
+      <p:sp>
+        <p:nvSpPr>
+          <p:cNvPr id="27" name="Rectangle à coins arrondis 26"/>
+          <p:cNvSpPr/>
+          <p:nvPr/>
+        </p:nvSpPr>
+        <p:spPr>
+          <a:xfrm>
+            <a:off x="5651354" y="2378369"/>
+            <a:ext cx="1141813" cy="890923"/>
+          </a:xfrm>
+          <a:prstGeom prst="roundRect">
+            <a:avLst/>
+          </a:prstGeom>
+          <a:solidFill>
+            <a:srgbClr val="1F8A4C"/>
+          </a:solidFill>
+          <a:ln w="12700" cap="flat" cmpd="sng" algn="ctr">
+            <a:noFill/>
+            <a:prstDash val="solid"/>
+            <a:miter lim="800000"/>
+          </a:ln>
+          <a:effectLst/>
+        </p:spPr>
+        <p:txBody>
+          <a:bodyPr lIns="36000" rIns="36000" rtlCol="0" anchor="ctr"/>
+          <a:lstStyle/>
+          <a:p>
+            <a:pPr marL="0" marR="0" lvl="0" indent="0" algn="ctr" defTabSz="914400" eaLnBrk="1" fontAlgn="auto" latinLnBrk="0" hangingPunct="1">
+              <a:lnSpc>
+                <a:spcPct val="100000"/>
+              </a:lnSpc>
+              <a:spcBef>
+                <a:spcPts val="0"/>
+              </a:spcBef>
+              <a:spcAft>
+                <a:spcPts val="0"/>
+              </a:spcAft>
+              <a:buClrTx/>
+              <a:buSzTx/>
+              <a:buFontTx/>
+              <a:buNone/>
+              <a:tabLst/>
+              <a:defRPr/>
+            </a:pPr>
+            <a:r>
+              <a:rPr kumimoji="0" lang="en-US" sz="1100" b="1" i="0" u="none" strike="noStrike" kern="0" cap="none" spc="0" normalizeH="0" baseline="0" noProof="0" dirty="0" smtClean="0">
+                <a:ln>
+                  <a:noFill/>
+                </a:ln>
+                <a:solidFill>
+                  <a:prstClr val="white"/>
+                </a:solidFill>
+                <a:effectLst/>
+                <a:uLnTx/>
+                <a:uFillTx/>
+                <a:ea typeface="Arial Rounded MT Bold" charset="0"/>
+                <a:cs typeface="Arial Rounded MT Bold" charset="0"/>
+              </a:rPr>
+              <a:t>packet processing plugin 3</a:t>
+            </a:r>
+          </a:p>
+        </p:txBody>
+      </p:sp>
+      <p:sp>
+        <p:nvSpPr>
+          <p:cNvPr id="28" name="Rectangle à coins arrondis 27"/>
+          <p:cNvSpPr/>
+          <p:nvPr/>
+        </p:nvSpPr>
+        <p:spPr>
+          <a:xfrm>
+            <a:off x="865040" y="2378369"/>
+            <a:ext cx="1141813" cy="890923"/>
+          </a:xfrm>
+          <a:prstGeom prst="roundRect">
+            <a:avLst/>
+          </a:prstGeom>
+          <a:solidFill>
+            <a:srgbClr val="1F8A4C"/>
+          </a:solidFill>
+          <a:ln w="12700" cap="flat" cmpd="sng" algn="ctr">
+            <a:noFill/>
+            <a:prstDash val="solid"/>
+            <a:miter lim="800000"/>
+          </a:ln>
+          <a:effectLst/>
+        </p:spPr>
+        <p:txBody>
+          <a:bodyPr lIns="36000" rIns="36000" rtlCol="0" anchor="ctr"/>
+          <a:lstStyle/>
+          <a:p>
+            <a:pPr marL="0" marR="0" lvl="0" indent="0" algn="ctr" defTabSz="914400" eaLnBrk="1" fontAlgn="auto" latinLnBrk="0" hangingPunct="1">
+              <a:lnSpc>
+                <a:spcPct val="100000"/>
+              </a:lnSpc>
+              <a:spcBef>
+                <a:spcPts val="0"/>
+              </a:spcBef>
+              <a:spcAft>
+                <a:spcPts val="0"/>
+              </a:spcAft>
+              <a:buClrTx/>
+              <a:buSzTx/>
+              <a:buFontTx/>
+              <a:buNone/>
+              <a:tabLst/>
+              <a:defRPr/>
+            </a:pPr>
+            <a:r>
+              <a:rPr kumimoji="0" lang="en-US" sz="1100" b="1" i="0" u="none" strike="noStrike" kern="0" cap="none" spc="0" normalizeH="0" baseline="0" noProof="0" dirty="0" smtClean="0">
+                <a:ln>
+                  <a:noFill/>
+                </a:ln>
+                <a:solidFill>
+                  <a:prstClr val="white"/>
+                </a:solidFill>
+                <a:effectLst/>
+                <a:uLnTx/>
+                <a:uFillTx/>
+                <a:ea typeface="Arial Rounded MT Bold" charset="0"/>
+                <a:cs typeface="Arial Rounded MT Bold" charset="0"/>
+              </a:rPr>
+              <a:t>input plugin</a:t>
+            </a:r>
+          </a:p>
+        </p:txBody>
+      </p:sp>
+      <p:sp>
+        <p:nvSpPr>
+          <p:cNvPr id="29" name="Rectangle à coins arrondis 28"/>
+          <p:cNvSpPr/>
+          <p:nvPr/>
+        </p:nvSpPr>
+        <p:spPr>
+          <a:xfrm>
+            <a:off x="7246790" y="2378369"/>
+            <a:ext cx="1141813" cy="890923"/>
+          </a:xfrm>
+          <a:prstGeom prst="roundRect">
+            <a:avLst/>
+          </a:prstGeom>
+          <a:solidFill>
+            <a:srgbClr val="1F8A4C"/>
+          </a:solidFill>
+          <a:ln w="12700" cap="flat" cmpd="sng" algn="ctr">
+            <a:noFill/>
+            <a:prstDash val="solid"/>
+            <a:miter lim="800000"/>
+          </a:ln>
+          <a:effectLst/>
+        </p:spPr>
+        <p:txBody>
+          <a:bodyPr lIns="36000" rIns="36000" rtlCol="0" anchor="ctr"/>
+          <a:lstStyle/>
+          <a:p>
+            <a:pPr marL="0" marR="0" lvl="0" indent="0" algn="ctr" defTabSz="914400" eaLnBrk="1" fontAlgn="auto" latinLnBrk="0" hangingPunct="1">
+              <a:lnSpc>
+                <a:spcPct val="100000"/>
+              </a:lnSpc>
+              <a:spcBef>
+                <a:spcPts val="0"/>
+              </a:spcBef>
+              <a:spcAft>
+                <a:spcPts val="0"/>
+              </a:spcAft>
+              <a:buClrTx/>
+              <a:buSzTx/>
+              <a:buFontTx/>
+              <a:buNone/>
+              <a:tabLst/>
+              <a:defRPr/>
+            </a:pPr>
+            <a:r>
+              <a:rPr kumimoji="0" lang="en-US" sz="1100" b="1" i="0" u="none" strike="noStrike" kern="0" cap="none" spc="0" normalizeH="0" baseline="0" noProof="0" dirty="0" smtClean="0">
+                <a:ln>
+                  <a:noFill/>
+                </a:ln>
+                <a:solidFill>
+                  <a:prstClr val="white"/>
+                </a:solidFill>
+                <a:effectLst/>
+                <a:uLnTx/>
+                <a:uFillTx/>
+                <a:ea typeface="Arial Rounded MT Bold" charset="0"/>
+                <a:cs typeface="Arial Rounded MT Bold" charset="0"/>
+              </a:rPr>
+              <a:t>output plugin</a:t>
+            </a:r>
+          </a:p>
+        </p:txBody>
+      </p:sp>
+      <p:cxnSp>
+        <p:nvCxnSpPr>
+          <p:cNvPr id="30" name="Connecteur droit avec flèche 29"/>
+          <p:cNvCxnSpPr>
+            <a:endCxn id="28" idx="2"/>
+          </p:cNvCxnSpPr>
+          <p:nvPr/>
+        </p:nvCxnSpPr>
+        <p:spPr>
+          <a:xfrm flipV="1">
+            <a:off x="1435947" y="3269292"/>
+            <a:ext cx="0" cy="801319"/>
+          </a:xfrm>
+          <a:prstGeom prst="straightConnector1">
+            <a:avLst/>
+          </a:prstGeom>
+          <a:noFill/>
+          <a:ln w="19050" cap="flat" cmpd="sng" algn="ctr">
+            <a:solidFill>
+              <a:sysClr val="windowText" lastClr="000000"/>
+            </a:solidFill>
+            <a:prstDash val="sysDash"/>
+            <a:miter lim="800000"/>
+            <a:tailEnd type="triangle"/>
+          </a:ln>
+          <a:effectLst/>
+        </p:spPr>
+      </p:cxnSp>
+      <p:cxnSp>
+        <p:nvCxnSpPr>
+          <p:cNvPr id="31" name="Connecteur droit avec flèche 30"/>
+          <p:cNvCxnSpPr>
+            <a:stCxn id="29" idx="2"/>
+          </p:cNvCxnSpPr>
+          <p:nvPr/>
+        </p:nvCxnSpPr>
+        <p:spPr>
+          <a:xfrm>
+            <a:off x="7817697" y="3269292"/>
+            <a:ext cx="0" cy="801319"/>
+          </a:xfrm>
+          <a:prstGeom prst="straightConnector1">
+            <a:avLst/>
+          </a:prstGeom>
+          <a:noFill/>
+          <a:ln w="19050" cap="flat" cmpd="sng" algn="ctr">
+            <a:solidFill>
+              <a:sysClr val="windowText" lastClr="000000"/>
+            </a:solidFill>
+            <a:prstDash val="sysDash"/>
+            <a:miter lim="800000"/>
+            <a:tailEnd type="triangle"/>
+          </a:ln>
+          <a:effectLst/>
+        </p:spPr>
+      </p:cxnSp>
+      <p:sp>
+        <p:nvSpPr>
+          <p:cNvPr id="32" name="ZoneTexte 31"/>
+          <p:cNvSpPr txBox="1"/>
+          <p:nvPr/>
+        </p:nvSpPr>
+        <p:spPr>
+          <a:xfrm>
+            <a:off x="1559315" y="3887803"/>
+            <a:ext cx="1044530" cy="184666"/>
           </a:xfrm>
           <a:prstGeom prst="rect">
             <a:avLst/>
           </a:prstGeom>
           <a:noFill/>
-          <a:ln>
-            <a:noFill/>
-          </a:ln>
-          <a:effectLst/>
-          <a:extLst>
-            <a:ext uri="{909E8E84-426E-40DD-AFC4-6F175D3DCCD1}">
-              <a14:hiddenFill xmlns:a14="http://schemas.microsoft.com/office/drawing/2010/main">
+        </p:spPr>
+        <p:txBody>
+          <a:bodyPr wrap="square" lIns="0" tIns="0" rIns="0" bIns="0" rtlCol="0">
+            <a:spAutoFit/>
+          </a:bodyPr>
+          <a:lstStyle/>
+          <a:p>
+            <a:pPr marL="0" marR="0" lvl="0" indent="0" defTabSz="914400" eaLnBrk="1" fontAlgn="auto" latinLnBrk="0" hangingPunct="1">
+              <a:lnSpc>
+                <a:spcPct val="100000"/>
+              </a:lnSpc>
+              <a:spcBef>
+                <a:spcPts val="0"/>
+              </a:spcBef>
+              <a:spcAft>
+                <a:spcPts val="0"/>
+              </a:spcAft>
+              <a:buClrTx/>
+              <a:buSzTx/>
+              <a:buFontTx/>
+              <a:buNone/>
+              <a:tabLst/>
+              <a:defRPr/>
+            </a:pPr>
+            <a:r>
+              <a:rPr kumimoji="0" lang="en-US" sz="1200" b="1" i="0" u="none" strike="noStrike" kern="0" cap="none" spc="0" normalizeH="0" baseline="0" noProof="0" dirty="0" smtClean="0">
+                <a:ln>
+                  <a:noFill/>
+                </a:ln>
                 <a:solidFill>
-                  <a:schemeClr val="accent1"/>
+                  <a:prstClr val="black"/>
                 </a:solidFill>
-              </a14:hiddenFill>
-            </a:ext>
-            <a:ext uri="{91240B29-F687-4F45-9708-019B960494DF}">
-              <a14:hiddenLine xmlns:a14="http://schemas.microsoft.com/office/drawing/2010/main" w="9525">
-                <a:solidFill>
-                  <a:schemeClr val="tx1"/>
-                </a:solidFill>
-                <a:miter lim="800000"/>
-                <a:headEnd/>
-                <a:tailEnd/>
-              </a14:hiddenLine>
-            </a:ext>
-            <a:ext uri="{AF507438-7753-43E0-B8FC-AC1667EBCBE1}">
-              <a14:hiddenEffects xmlns:a14="http://schemas.microsoft.com/office/drawing/2010/main">
-                <a:effectLst>
-                  <a:outerShdw dist="35921" dir="2700000" algn="ctr" rotWithShape="0">
-                    <a:schemeClr val="bg2"/>
-                  </a:outerShdw>
-                </a:effectLst>
-              </a14:hiddenEffects>
-            </a:ext>
-          </a:extLst>
-        </p:spPr>
-      </p:pic>
-      <p:pic>
-        <p:nvPicPr>
-          <p:cNvPr id="3075" name="Picture 3"/>
-          <p:cNvPicPr>
-            <a:picLocks noChangeAspect="1" noChangeArrowheads="1"/>
-          </p:cNvPicPr>
-          <p:nvPr/>
-        </p:nvPicPr>
-        <p:blipFill>
-          <a:blip r:embed="rId4">
-            <a:extLst>
-              <a:ext uri="{28A0092B-C50C-407E-A947-70E740481C1C}">
-                <a14:useLocalDpi xmlns:a14="http://schemas.microsoft.com/office/drawing/2010/main" val="0"/>
-              </a:ext>
-            </a:extLst>
-          </a:blip>
-          <a:srcRect/>
-          <a:stretch>
-            <a:fillRect/>
-          </a:stretch>
-        </p:blipFill>
-        <p:spPr bwMode="auto">
-          <a:xfrm flipH="1">
-            <a:off x="7665197" y="3543632"/>
-            <a:ext cx="1011259" cy="828318"/>
+                <a:effectLst/>
+                <a:uLnTx/>
+                <a:uFillTx/>
+                <a:ea typeface="Arial Rounded MT Bold" charset="0"/>
+                <a:cs typeface="Arial Rounded MT Bold" charset="0"/>
+              </a:rPr>
+              <a:t>input TS</a:t>
+            </a:r>
+          </a:p>
+        </p:txBody>
+      </p:sp>
+      <p:sp>
+        <p:nvSpPr>
+          <p:cNvPr id="33" name="ZoneTexte 32"/>
+          <p:cNvSpPr txBox="1"/>
+          <p:nvPr/>
+        </p:nvSpPr>
+        <p:spPr>
+          <a:xfrm>
+            <a:off x="6635721" y="3887803"/>
+            <a:ext cx="1044530" cy="184666"/>
           </a:xfrm>
           <a:prstGeom prst="rect">
             <a:avLst/>
           </a:prstGeom>
           <a:noFill/>
-          <a:ln>
-            <a:noFill/>
+        </p:spPr>
+        <p:txBody>
+          <a:bodyPr wrap="square" lIns="0" tIns="0" rIns="0" bIns="0" rtlCol="0">
+            <a:spAutoFit/>
+          </a:bodyPr>
+          <a:lstStyle/>
+          <a:p>
+            <a:pPr marL="0" marR="0" lvl="0" indent="0" algn="r" defTabSz="914400" eaLnBrk="1" fontAlgn="auto" latinLnBrk="0" hangingPunct="1">
+              <a:lnSpc>
+                <a:spcPct val="100000"/>
+              </a:lnSpc>
+              <a:spcBef>
+                <a:spcPts val="0"/>
+              </a:spcBef>
+              <a:spcAft>
+                <a:spcPts val="0"/>
+              </a:spcAft>
+              <a:buClrTx/>
+              <a:buSzTx/>
+              <a:buFontTx/>
+              <a:buNone/>
+              <a:tabLst/>
+              <a:defRPr/>
+            </a:pPr>
+            <a:r>
+              <a:rPr kumimoji="0" lang="en-US" sz="1200" b="1" i="0" u="none" strike="noStrike" kern="0" cap="none" spc="0" normalizeH="0" baseline="0" noProof="0" dirty="0" smtClean="0">
+                <a:ln>
+                  <a:noFill/>
+                </a:ln>
+                <a:solidFill>
+                  <a:prstClr val="black"/>
+                </a:solidFill>
+                <a:effectLst/>
+                <a:uLnTx/>
+                <a:uFillTx/>
+                <a:ea typeface="Arial Rounded MT Bold" charset="0"/>
+                <a:cs typeface="Arial Rounded MT Bold" charset="0"/>
+              </a:rPr>
+              <a:t>output TS</a:t>
+            </a:r>
+          </a:p>
+        </p:txBody>
+      </p:sp>
+      <p:sp>
+        <p:nvSpPr>
+          <p:cNvPr id="34" name="Arc 33"/>
+          <p:cNvSpPr/>
+          <p:nvPr/>
+        </p:nvSpPr>
+        <p:spPr>
+          <a:xfrm>
+            <a:off x="1559313" y="1950829"/>
+            <a:ext cx="1325663" cy="911402"/>
+          </a:xfrm>
+          <a:prstGeom prst="arc">
+            <a:avLst>
+              <a:gd name="adj1" fmla="val 10863990"/>
+              <a:gd name="adj2" fmla="val 0"/>
+            </a:avLst>
+          </a:prstGeom>
+          <a:noFill/>
+          <a:ln w="19050" cap="flat" cmpd="sng" algn="ctr">
+            <a:solidFill>
+              <a:sysClr val="windowText" lastClr="000000"/>
+            </a:solidFill>
+            <a:prstDash val="sysDash"/>
+            <a:miter lim="800000"/>
+            <a:tailEnd type="triangle"/>
           </a:ln>
           <a:effectLst/>
-          <a:extLst>
-            <a:ext uri="{909E8E84-426E-40DD-AFC4-6F175D3DCCD1}">
-              <a14:hiddenFill xmlns:a14="http://schemas.microsoft.com/office/drawing/2010/main">
-                <a:solidFill>
-                  <a:schemeClr val="accent1"/>
-                </a:solidFill>
-              </a14:hiddenFill>
-            </a:ext>
-            <a:ext uri="{91240B29-F687-4F45-9708-019B960494DF}">
-              <a14:hiddenLine xmlns:a14="http://schemas.microsoft.com/office/drawing/2010/main" w="9525">
-                <a:solidFill>
-                  <a:schemeClr val="tx1"/>
-                </a:solidFill>
-                <a:miter lim="800000"/>
-                <a:headEnd/>
-                <a:tailEnd/>
-              </a14:hiddenLine>
-            </a:ext>
-            <a:ext uri="{AF507438-7753-43E0-B8FC-AC1667EBCBE1}">
-              <a14:hiddenEffects xmlns:a14="http://schemas.microsoft.com/office/drawing/2010/main">
-                <a:effectLst>
-                  <a:outerShdw dist="35921" dir="2700000" algn="ctr" rotWithShape="0">
-                    <a:schemeClr val="bg2"/>
-                  </a:outerShdw>
-                </a:effectLst>
-              </a14:hiddenEffects>
-            </a:ext>
-          </a:extLst>
-        </p:spPr>
-      </p:pic>
-      <p:pic>
-        <p:nvPicPr>
-          <p:cNvPr id="3078" name="Picture 6"/>
-          <p:cNvPicPr>
-            <a:picLocks noChangeAspect="1" noChangeArrowheads="1"/>
-          </p:cNvPicPr>
-          <p:nvPr/>
-        </p:nvPicPr>
-        <p:blipFill>
-          <a:blip r:embed="rId5" cstate="print">
-            <a:extLst>
-              <a:ext uri="{28A0092B-C50C-407E-A947-70E740481C1C}">
-                <a14:useLocalDpi xmlns:a14="http://schemas.microsoft.com/office/drawing/2010/main" val="0"/>
-              </a:ext>
-            </a:extLst>
-          </a:blip>
-          <a:srcRect/>
-          <a:stretch>
-            <a:fillRect/>
-          </a:stretch>
-        </p:blipFill>
-        <p:spPr bwMode="auto">
-          <a:xfrm>
-            <a:off x="4849310" y="2377174"/>
-            <a:ext cx="1193261" cy="802471"/>
-          </a:xfrm>
-          <a:prstGeom prst="rect">
-            <a:avLst/>
+        </p:spPr>
+        <p:txBody>
+          <a:bodyPr rtlCol="0" anchor="ctr"/>
+          <a:lstStyle/>
+          <a:p>
+            <a:pPr marL="0" marR="0" lvl="0" indent="0" algn="ctr" defTabSz="914400" eaLnBrk="1" fontAlgn="auto" latinLnBrk="0" hangingPunct="1">
+              <a:lnSpc>
+                <a:spcPct val="100000"/>
+              </a:lnSpc>
+              <a:spcBef>
+                <a:spcPts val="0"/>
+              </a:spcBef>
+              <a:spcAft>
+                <a:spcPts val="0"/>
+              </a:spcAft>
+              <a:buClrTx/>
+              <a:buSzTx/>
+              <a:buFontTx/>
+              <a:buNone/>
+              <a:tabLst/>
+              <a:defRPr/>
+            </a:pPr>
+            <a:endParaRPr kumimoji="0" lang="en-US" sz="2800" b="1" i="0" u="none" strike="noStrike" kern="0" cap="none" spc="0" normalizeH="0" baseline="0" noProof="0" dirty="0" smtClean="0">
+              <a:ln>
+                <a:noFill/>
+              </a:ln>
+              <a:solidFill>
+                <a:prstClr val="black"/>
+              </a:solidFill>
+              <a:effectLst/>
+              <a:uLnTx/>
+              <a:uFillTx/>
+              <a:ea typeface="Arial Rounded MT Bold" charset="0"/>
+              <a:cs typeface="Arial Rounded MT Bold" charset="0"/>
+            </a:endParaRPr>
+          </a:p>
+        </p:txBody>
+      </p:sp>
+      <p:sp>
+        <p:nvSpPr>
+          <p:cNvPr id="35" name="Arc 34"/>
+          <p:cNvSpPr/>
+          <p:nvPr/>
+        </p:nvSpPr>
+        <p:spPr>
+          <a:xfrm>
+            <a:off x="3146109" y="1935470"/>
+            <a:ext cx="1325663" cy="911402"/>
+          </a:xfrm>
+          <a:prstGeom prst="arc">
+            <a:avLst>
+              <a:gd name="adj1" fmla="val 10863990"/>
+              <a:gd name="adj2" fmla="val 0"/>
+            </a:avLst>
           </a:prstGeom>
           <a:noFill/>
-          <a:ln>
-            <a:noFill/>
+          <a:ln w="19050" cap="flat" cmpd="sng" algn="ctr">
+            <a:solidFill>
+              <a:sysClr val="windowText" lastClr="000000"/>
+            </a:solidFill>
+            <a:prstDash val="sysDash"/>
+            <a:miter lim="800000"/>
+            <a:tailEnd type="triangle"/>
           </a:ln>
           <a:effectLst/>
-          <a:extLst>
-            <a:ext uri="{909E8E84-426E-40DD-AFC4-6F175D3DCCD1}">
-              <a14:hiddenFill xmlns:a14="http://schemas.microsoft.com/office/drawing/2010/main">
-                <a:solidFill>
-                  <a:schemeClr val="accent1"/>
-                </a:solidFill>
-              </a14:hiddenFill>
-            </a:ext>
-            <a:ext uri="{91240B29-F687-4F45-9708-019B960494DF}">
-              <a14:hiddenLine xmlns:a14="http://schemas.microsoft.com/office/drawing/2010/main" w="9525">
-                <a:solidFill>
-                  <a:schemeClr val="tx1"/>
-                </a:solidFill>
-                <a:miter lim="800000"/>
-                <a:headEnd/>
-                <a:tailEnd/>
-              </a14:hiddenLine>
-            </a:ext>
-            <a:ext uri="{AF507438-7753-43E0-B8FC-AC1667EBCBE1}">
-              <a14:hiddenEffects xmlns:a14="http://schemas.microsoft.com/office/drawing/2010/main">
-                <a:effectLst>
-                  <a:outerShdw dist="35921" dir="2700000" algn="ctr" rotWithShape="0">
-                    <a:schemeClr val="bg2"/>
-                  </a:outerShdw>
-                </a:effectLst>
-              </a14:hiddenEffects>
-            </a:ext>
-          </a:extLst>
-        </p:spPr>
-      </p:pic>
+        </p:spPr>
+        <p:txBody>
+          <a:bodyPr rtlCol="0" anchor="ctr"/>
+          <a:lstStyle/>
+          <a:p>
+            <a:pPr marL="0" marR="0" lvl="0" indent="0" algn="ctr" defTabSz="914400" eaLnBrk="1" fontAlgn="auto" latinLnBrk="0" hangingPunct="1">
+              <a:lnSpc>
+                <a:spcPct val="100000"/>
+              </a:lnSpc>
+              <a:spcBef>
+                <a:spcPts val="0"/>
+              </a:spcBef>
+              <a:spcAft>
+                <a:spcPts val="0"/>
+              </a:spcAft>
+              <a:buClrTx/>
+              <a:buSzTx/>
+              <a:buFontTx/>
+              <a:buNone/>
+              <a:tabLst/>
+              <a:defRPr/>
+            </a:pPr>
+            <a:endParaRPr kumimoji="0" lang="en-US" sz="2800" b="1" i="0" u="none" strike="noStrike" kern="0" cap="none" spc="0" normalizeH="0" baseline="0" noProof="0" dirty="0" smtClean="0">
+              <a:ln>
+                <a:noFill/>
+              </a:ln>
+              <a:solidFill>
+                <a:prstClr val="black"/>
+              </a:solidFill>
+              <a:effectLst/>
+              <a:uLnTx/>
+              <a:uFillTx/>
+              <a:ea typeface="Arial Rounded MT Bold" charset="0"/>
+              <a:cs typeface="Arial Rounded MT Bold" charset="0"/>
+            </a:endParaRPr>
+          </a:p>
+        </p:txBody>
+      </p:sp>
+      <p:sp>
+        <p:nvSpPr>
+          <p:cNvPr id="36" name="Arc 35"/>
+          <p:cNvSpPr/>
+          <p:nvPr/>
+        </p:nvSpPr>
+        <p:spPr>
+          <a:xfrm>
+            <a:off x="4763626" y="1920111"/>
+            <a:ext cx="1325663" cy="911402"/>
+          </a:xfrm>
+          <a:prstGeom prst="arc">
+            <a:avLst>
+              <a:gd name="adj1" fmla="val 10863990"/>
+              <a:gd name="adj2" fmla="val 0"/>
+            </a:avLst>
+          </a:prstGeom>
+          <a:noFill/>
+          <a:ln w="19050" cap="flat" cmpd="sng" algn="ctr">
+            <a:solidFill>
+              <a:sysClr val="windowText" lastClr="000000"/>
+            </a:solidFill>
+            <a:prstDash val="sysDash"/>
+            <a:miter lim="800000"/>
+            <a:tailEnd type="triangle"/>
+          </a:ln>
+          <a:effectLst/>
+        </p:spPr>
+        <p:txBody>
+          <a:bodyPr rtlCol="0" anchor="ctr"/>
+          <a:lstStyle/>
+          <a:p>
+            <a:pPr marL="0" marR="0" lvl="0" indent="0" algn="ctr" defTabSz="914400" eaLnBrk="1" fontAlgn="auto" latinLnBrk="0" hangingPunct="1">
+              <a:lnSpc>
+                <a:spcPct val="100000"/>
+              </a:lnSpc>
+              <a:spcBef>
+                <a:spcPts val="0"/>
+              </a:spcBef>
+              <a:spcAft>
+                <a:spcPts val="0"/>
+              </a:spcAft>
+              <a:buClrTx/>
+              <a:buSzTx/>
+              <a:buFontTx/>
+              <a:buNone/>
+              <a:tabLst/>
+              <a:defRPr/>
+            </a:pPr>
+            <a:endParaRPr kumimoji="0" lang="en-US" sz="2800" b="1" i="0" u="none" strike="noStrike" kern="0" cap="none" spc="0" normalizeH="0" baseline="0" noProof="0" dirty="0" smtClean="0">
+              <a:ln>
+                <a:noFill/>
+              </a:ln>
+              <a:solidFill>
+                <a:prstClr val="black"/>
+              </a:solidFill>
+              <a:effectLst/>
+              <a:uLnTx/>
+              <a:uFillTx/>
+              <a:ea typeface="Arial Rounded MT Bold" charset="0"/>
+              <a:cs typeface="Arial Rounded MT Bold" charset="0"/>
+            </a:endParaRPr>
+          </a:p>
+        </p:txBody>
+      </p:sp>
+      <p:sp>
+        <p:nvSpPr>
+          <p:cNvPr id="37" name="Arc 36"/>
+          <p:cNvSpPr/>
+          <p:nvPr/>
+        </p:nvSpPr>
+        <p:spPr>
+          <a:xfrm>
+            <a:off x="6360662" y="1904752"/>
+            <a:ext cx="1325663" cy="911402"/>
+          </a:xfrm>
+          <a:prstGeom prst="arc">
+            <a:avLst>
+              <a:gd name="adj1" fmla="val 10863990"/>
+              <a:gd name="adj2" fmla="val 0"/>
+            </a:avLst>
+          </a:prstGeom>
+          <a:noFill/>
+          <a:ln w="19050" cap="flat" cmpd="sng" algn="ctr">
+            <a:solidFill>
+              <a:sysClr val="windowText" lastClr="000000"/>
+            </a:solidFill>
+            <a:prstDash val="sysDash"/>
+            <a:miter lim="800000"/>
+            <a:tailEnd type="triangle"/>
+          </a:ln>
+          <a:effectLst/>
+        </p:spPr>
+        <p:txBody>
+          <a:bodyPr rtlCol="0" anchor="ctr"/>
+          <a:lstStyle/>
+          <a:p>
+            <a:pPr marL="0" marR="0" lvl="0" indent="0" algn="ctr" defTabSz="914400" eaLnBrk="1" fontAlgn="auto" latinLnBrk="0" hangingPunct="1">
+              <a:lnSpc>
+                <a:spcPct val="100000"/>
+              </a:lnSpc>
+              <a:spcBef>
+                <a:spcPts val="0"/>
+              </a:spcBef>
+              <a:spcAft>
+                <a:spcPts val="0"/>
+              </a:spcAft>
+              <a:buClrTx/>
+              <a:buSzTx/>
+              <a:buFontTx/>
+              <a:buNone/>
+              <a:tabLst/>
+              <a:defRPr/>
+            </a:pPr>
+            <a:endParaRPr kumimoji="0" lang="en-US" sz="2800" b="1" i="0" u="none" strike="noStrike" kern="0" cap="none" spc="0" normalizeH="0" baseline="0" noProof="0" dirty="0" smtClean="0">
+              <a:ln>
+                <a:noFill/>
+              </a:ln>
+              <a:solidFill>
+                <a:prstClr val="black"/>
+              </a:solidFill>
+              <a:effectLst/>
+              <a:uLnTx/>
+              <a:uFillTx/>
+              <a:ea typeface="Arial Rounded MT Bold" charset="0"/>
+              <a:cs typeface="Arial Rounded MT Bold" charset="0"/>
+            </a:endParaRPr>
+          </a:p>
+        </p:txBody>
+      </p:sp>
+      <p:sp>
+        <p:nvSpPr>
+          <p:cNvPr id="18" name="Espace réservé du contenu 1"/>
+          <p:cNvSpPr>
+            <a:spLocks noGrp="1"/>
+          </p:cNvSpPr>
+          <p:nvPr>
+            <p:ph idx="1"/>
+          </p:nvPr>
+        </p:nvSpPr>
+        <p:spPr>
+          <a:xfrm>
+            <a:off x="1203667" y="4182176"/>
+            <a:ext cx="6536209" cy="849892"/>
+          </a:xfrm>
+        </p:spPr>
+        <p:txBody>
+          <a:bodyPr>
+            <a:normAutofit/>
+          </a:bodyPr>
+          <a:lstStyle/>
+          <a:p>
+            <a:pPr marL="630238" lvl="2" indent="0" algn="ctr">
+              <a:buNone/>
+            </a:pPr>
+            <a:r>
+              <a:rPr lang="en-US" dirty="0" smtClean="0"/>
+              <a:t>combination of elementary processing using plugins</a:t>
+            </a:r>
+          </a:p>
+          <a:p>
+            <a:pPr marL="630238" lvl="2" indent="0" algn="ctr">
+              <a:buNone/>
+            </a:pPr>
+            <a:r>
+              <a:rPr lang="en-US" dirty="0" smtClean="0"/>
+              <a:t>60+ standard plugins available</a:t>
+            </a:r>
+          </a:p>
+        </p:txBody>
+      </p:sp>
     </p:spTree>
     <p:extLst>
       <p:ext uri="{BB962C8B-B14F-4D97-AF65-F5344CB8AC3E}">
-        <p14:creationId xmlns:p14="http://schemas.microsoft.com/office/powerpoint/2010/main" val="2497923946"/>
+        <p14:creationId xmlns:p14="http://schemas.microsoft.com/office/powerpoint/2010/main" val="3207508894"/>
       </p:ext>
     </p:extLst>
   </p:cSld>
@@ -5702,6 +6276,160 @@
       </p:grpSpPr>
       <p:sp>
         <p:nvSpPr>
+          <p:cNvPr id="2" name="Espace réservé du contenu 1"/>
+          <p:cNvSpPr>
+            <a:spLocks noGrp="1"/>
+          </p:cNvSpPr>
+          <p:nvPr>
+            <p:ph idx="1"/>
+          </p:nvPr>
+        </p:nvSpPr>
+        <p:spPr/>
+        <p:txBody>
+          <a:bodyPr>
+            <a:normAutofit/>
+          </a:bodyPr>
+          <a:lstStyle/>
+          <a:p>
+            <a:pPr marL="0" indent="0">
+              <a:lnSpc>
+                <a:spcPct val="90000"/>
+              </a:lnSpc>
+              <a:buNone/>
+            </a:pPr>
+            <a:r>
+              <a:rPr lang="en-US" dirty="0" smtClean="0"/>
+              <a:t>Offline transport stream files</a:t>
+            </a:r>
+          </a:p>
+          <a:p>
+            <a:pPr marL="0" indent="0">
+              <a:lnSpc>
+                <a:spcPct val="90000"/>
+              </a:lnSpc>
+              <a:buNone/>
+            </a:pPr>
+            <a:r>
+              <a:rPr lang="en-US" dirty="0"/>
+              <a:t>Re-route transport streams to / from other applications</a:t>
+            </a:r>
+          </a:p>
+          <a:p>
+            <a:pPr marL="0" indent="0">
+              <a:lnSpc>
+                <a:spcPct val="90000"/>
+              </a:lnSpc>
+              <a:buNone/>
+            </a:pPr>
+            <a:r>
+              <a:rPr lang="en-US" dirty="0" smtClean="0"/>
+              <a:t>Live </a:t>
+            </a:r>
+            <a:r>
+              <a:rPr lang="en-US" dirty="0"/>
+              <a:t>transport </a:t>
+            </a:r>
+            <a:r>
+              <a:rPr lang="en-US" dirty="0" smtClean="0"/>
+              <a:t>streams</a:t>
+            </a:r>
+          </a:p>
+          <a:p>
+            <a:pPr lvl="1">
+              <a:lnSpc>
+                <a:spcPct val="90000"/>
+              </a:lnSpc>
+            </a:pPr>
+            <a:r>
+              <a:rPr lang="en-US" dirty="0" smtClean="0"/>
+              <a:t>UDP/IP, HTTP</a:t>
+            </a:r>
+          </a:p>
+          <a:p>
+            <a:pPr lvl="1">
+              <a:lnSpc>
+                <a:spcPct val="90000"/>
+              </a:lnSpc>
+            </a:pPr>
+            <a:r>
+              <a:rPr lang="en-US" dirty="0" smtClean="0"/>
+              <a:t>Specialized hardware</a:t>
+            </a:r>
+          </a:p>
+          <a:p>
+            <a:pPr lvl="2">
+              <a:lnSpc>
+                <a:spcPct val="90000"/>
+              </a:lnSpc>
+            </a:pPr>
+            <a:r>
+              <a:rPr lang="en-US" dirty="0" smtClean="0"/>
+              <a:t>cheap </a:t>
+            </a:r>
+            <a:r>
+              <a:rPr lang="en-US" dirty="0"/>
+              <a:t>DVB </a:t>
+            </a:r>
+            <a:r>
+              <a:rPr lang="en-US" dirty="0" smtClean="0"/>
+              <a:t>tuners</a:t>
+            </a:r>
+          </a:p>
+          <a:p>
+            <a:pPr lvl="2">
+              <a:lnSpc>
+                <a:spcPct val="90000"/>
+              </a:lnSpc>
+            </a:pPr>
+            <a:r>
+              <a:rPr lang="en-US" dirty="0" smtClean="0"/>
+              <a:t>professional </a:t>
+            </a:r>
+            <a:r>
+              <a:rPr lang="en-US" dirty="0"/>
+              <a:t>Dektec </a:t>
+            </a:r>
+            <a:r>
+              <a:rPr lang="en-US" dirty="0" smtClean="0"/>
+              <a:t>devices</a:t>
+            </a:r>
+          </a:p>
+          <a:p>
+            <a:pPr lvl="2">
+              <a:lnSpc>
+                <a:spcPct val="90000"/>
+              </a:lnSpc>
+            </a:pPr>
+            <a:r>
+              <a:rPr lang="en-US" dirty="0" smtClean="0"/>
+              <a:t>cheap </a:t>
+            </a:r>
+            <a:r>
+              <a:rPr lang="en-US" dirty="0" err="1"/>
+              <a:t>HiDes</a:t>
+            </a:r>
+            <a:r>
+              <a:rPr lang="en-US" dirty="0"/>
+              <a:t> </a:t>
+            </a:r>
+            <a:r>
+              <a:rPr lang="en-US" dirty="0" smtClean="0"/>
+              <a:t>modulators</a:t>
+            </a:r>
+            <a:endParaRPr lang="en-US" dirty="0"/>
+          </a:p>
+          <a:p>
+            <a:pPr>
+              <a:lnSpc>
+                <a:spcPct val="90000"/>
+              </a:lnSpc>
+            </a:pPr>
+            <a:endParaRPr lang="en-US" dirty="0" smtClean="0"/>
+          </a:p>
+        </p:txBody>
+      </p:sp>
+      <p:sp>
+        <p:nvSpPr>
           <p:cNvPr id="3" name="Titre 2"/>
           <p:cNvSpPr>
             <a:spLocks noGrp="1"/>
@@ -5716,952 +6444,217 @@
           <a:lstStyle/>
           <a:p>
             <a:r>
-              <a:rPr lang="en-US" dirty="0"/>
-              <a:t>TSP – the transport stream processor</a:t>
+              <a:rPr lang="en-US" dirty="0" smtClean="0"/>
+              <a:t>TSP input </a:t>
+            </a:r>
+            <a:r>
+              <a:rPr lang="en-US" dirty="0" smtClean="0"/>
+              <a:t>/ </a:t>
+            </a:r>
+            <a:r>
+              <a:rPr lang="en-US" dirty="0" smtClean="0"/>
+              <a:t>output plugins</a:t>
             </a:r>
             <a:endParaRPr lang="en-US" dirty="0"/>
           </a:p>
         </p:txBody>
       </p:sp>
-      <p:sp>
-        <p:nvSpPr>
-          <p:cNvPr id="23" name="Rectangle à coins arrondis 22"/>
-          <p:cNvSpPr/>
-          <p:nvPr/>
-        </p:nvSpPr>
-        <p:spPr>
-          <a:xfrm>
-            <a:off x="532224" y="1131590"/>
-            <a:ext cx="8192393" cy="2426997"/>
-          </a:xfrm>
-          <a:prstGeom prst="roundRect">
-            <a:avLst>
-              <a:gd name="adj" fmla="val 3969"/>
-            </a:avLst>
-          </a:prstGeom>
-          <a:solidFill>
-            <a:srgbClr val="70AD47">
-              <a:lumMod val="40000"/>
-              <a:lumOff val="60000"/>
-            </a:srgbClr>
-          </a:solidFill>
-          <a:ln w="12700" cap="flat" cmpd="sng" algn="ctr">
-            <a:noFill/>
-            <a:prstDash val="solid"/>
-            <a:miter lim="800000"/>
-          </a:ln>
-          <a:effectLst/>
-        </p:spPr>
-        <p:txBody>
-          <a:bodyPr tIns="0" rtlCol="0" anchor="t" anchorCtr="0"/>
-          <a:lstStyle/>
-          <a:p>
-            <a:pPr marL="0" marR="0" lvl="0" indent="0" algn="ctr" defTabSz="914400" eaLnBrk="1" fontAlgn="auto" latinLnBrk="0" hangingPunct="1">
-              <a:lnSpc>
-                <a:spcPct val="100000"/>
-              </a:lnSpc>
-              <a:spcBef>
-                <a:spcPts val="0"/>
-              </a:spcBef>
-              <a:spcAft>
-                <a:spcPts val="0"/>
-              </a:spcAft>
-              <a:buClrTx/>
-              <a:buSzTx/>
-              <a:buFontTx/>
-              <a:buNone/>
-              <a:tabLst/>
-              <a:defRPr/>
-            </a:pPr>
-            <a:r>
-              <a:rPr kumimoji="0" lang="en-US" sz="1600" b="1" i="0" u="none" strike="noStrike" kern="0" cap="none" spc="0" normalizeH="0" baseline="0" noProof="0" dirty="0" smtClean="0">
-                <a:ln>
-                  <a:noFill/>
-                </a:ln>
-                <a:solidFill>
-                  <a:prstClr val="black"/>
-                </a:solidFill>
-                <a:effectLst/>
-                <a:uLnTx/>
-                <a:uFillTx/>
-                <a:ea typeface="Arial Rounded MT Bold" charset="0"/>
-                <a:cs typeface="Arial Rounded MT Bold" charset="0"/>
-              </a:rPr>
-              <a:t>tsp process</a:t>
-            </a:r>
-          </a:p>
-        </p:txBody>
-      </p:sp>
-      <p:sp>
-        <p:nvSpPr>
-          <p:cNvPr id="24" name="Rectangle à coins arrondis 23"/>
-          <p:cNvSpPr/>
-          <p:nvPr/>
-        </p:nvSpPr>
-        <p:spPr>
-          <a:xfrm>
-            <a:off x="865040" y="1530969"/>
-            <a:ext cx="7526761" cy="604189"/>
-          </a:xfrm>
-          <a:prstGeom prst="roundRect">
-            <a:avLst/>
-          </a:prstGeom>
-          <a:solidFill>
-            <a:srgbClr val="1F8A4C"/>
-          </a:solidFill>
-          <a:ln w="12700" cap="flat" cmpd="sng" algn="ctr">
-            <a:noFill/>
-            <a:prstDash val="solid"/>
-            <a:miter lim="800000"/>
-          </a:ln>
-          <a:effectLst/>
-        </p:spPr>
-        <p:txBody>
-          <a:bodyPr tIns="0" rtlCol="0" anchor="t" anchorCtr="0"/>
-          <a:lstStyle/>
-          <a:p>
-            <a:pPr marL="0" marR="0" lvl="0" indent="0" algn="ctr" defTabSz="914400" eaLnBrk="1" fontAlgn="auto" latinLnBrk="0" hangingPunct="1">
-              <a:lnSpc>
-                <a:spcPct val="100000"/>
-              </a:lnSpc>
-              <a:spcBef>
-                <a:spcPts val="0"/>
-              </a:spcBef>
-              <a:spcAft>
-                <a:spcPts val="0"/>
-              </a:spcAft>
-              <a:buClrTx/>
-              <a:buSzTx/>
-              <a:buFontTx/>
-              <a:buNone/>
-              <a:tabLst/>
-              <a:defRPr/>
-            </a:pPr>
-            <a:r>
-              <a:rPr kumimoji="0" lang="en-US" sz="1200" b="1" i="0" u="none" strike="noStrike" kern="0" cap="none" spc="0" normalizeH="0" baseline="0" noProof="0" dirty="0" smtClean="0">
-                <a:ln>
-                  <a:noFill/>
-                </a:ln>
-                <a:solidFill>
-                  <a:prstClr val="white"/>
-                </a:solidFill>
-                <a:effectLst/>
-                <a:uLnTx/>
-                <a:uFillTx/>
-                <a:ea typeface="Arial Rounded MT Bold" charset="0"/>
-                <a:cs typeface="Arial Rounded MT Bold" charset="0"/>
-              </a:rPr>
-              <a:t>tsp executable</a:t>
-            </a:r>
-          </a:p>
-        </p:txBody>
-      </p:sp>
-      <p:sp>
-        <p:nvSpPr>
-          <p:cNvPr id="25" name="Rectangle à coins arrondis 24"/>
-          <p:cNvSpPr/>
-          <p:nvPr/>
-        </p:nvSpPr>
-        <p:spPr>
-          <a:xfrm>
-            <a:off x="4055916" y="2378369"/>
-            <a:ext cx="1141813" cy="890923"/>
-          </a:xfrm>
-          <a:prstGeom prst="roundRect">
-            <a:avLst/>
-          </a:prstGeom>
-          <a:solidFill>
-            <a:srgbClr val="1F8A4C"/>
-          </a:solidFill>
-          <a:ln w="12700" cap="flat" cmpd="sng" algn="ctr">
-            <a:noFill/>
-            <a:prstDash val="solid"/>
-            <a:miter lim="800000"/>
-          </a:ln>
-          <a:effectLst/>
-        </p:spPr>
-        <p:txBody>
-          <a:bodyPr lIns="36000" rIns="36000" rtlCol="0" anchor="ctr"/>
-          <a:lstStyle/>
-          <a:p>
-            <a:pPr marL="0" marR="0" lvl="0" indent="0" algn="ctr" defTabSz="914400" eaLnBrk="1" fontAlgn="auto" latinLnBrk="0" hangingPunct="1">
-              <a:lnSpc>
-                <a:spcPct val="100000"/>
-              </a:lnSpc>
-              <a:spcBef>
-                <a:spcPts val="0"/>
-              </a:spcBef>
-              <a:spcAft>
-                <a:spcPts val="0"/>
-              </a:spcAft>
-              <a:buClrTx/>
-              <a:buSzTx/>
-              <a:buFontTx/>
-              <a:buNone/>
-              <a:tabLst/>
-              <a:defRPr/>
-            </a:pPr>
-            <a:r>
-              <a:rPr kumimoji="0" lang="en-US" sz="1100" b="1" i="0" u="none" strike="noStrike" kern="0" cap="none" spc="0" normalizeH="0" baseline="0" noProof="0" dirty="0" smtClean="0">
-                <a:ln>
-                  <a:noFill/>
-                </a:ln>
-                <a:solidFill>
-                  <a:prstClr val="white"/>
-                </a:solidFill>
-                <a:effectLst/>
-                <a:uLnTx/>
-                <a:uFillTx/>
-                <a:ea typeface="Arial Rounded MT Bold" charset="0"/>
-                <a:cs typeface="Arial Rounded MT Bold" charset="0"/>
-              </a:rPr>
-              <a:t>packet processing plugin 2</a:t>
-            </a:r>
-          </a:p>
-        </p:txBody>
-      </p:sp>
-      <p:sp>
-        <p:nvSpPr>
-          <p:cNvPr id="26" name="Rectangle à coins arrondis 25"/>
-          <p:cNvSpPr/>
-          <p:nvPr/>
-        </p:nvSpPr>
-        <p:spPr>
-          <a:xfrm>
-            <a:off x="2460478" y="2378369"/>
-            <a:ext cx="1141813" cy="890923"/>
-          </a:xfrm>
-          <a:prstGeom prst="roundRect">
-            <a:avLst/>
-          </a:prstGeom>
-          <a:solidFill>
-            <a:srgbClr val="1F8A4C"/>
-          </a:solidFill>
-          <a:ln w="12700" cap="flat" cmpd="sng" algn="ctr">
-            <a:noFill/>
-            <a:prstDash val="solid"/>
-            <a:miter lim="800000"/>
-          </a:ln>
-          <a:effectLst/>
-        </p:spPr>
-        <p:txBody>
-          <a:bodyPr lIns="36000" rIns="36000" rtlCol="0" anchor="ctr"/>
-          <a:lstStyle/>
-          <a:p>
-            <a:pPr marL="0" marR="0" lvl="0" indent="0" algn="ctr" defTabSz="914400" eaLnBrk="1" fontAlgn="auto" latinLnBrk="0" hangingPunct="1">
-              <a:lnSpc>
-                <a:spcPct val="100000"/>
-              </a:lnSpc>
-              <a:spcBef>
-                <a:spcPts val="0"/>
-              </a:spcBef>
-              <a:spcAft>
-                <a:spcPts val="0"/>
-              </a:spcAft>
-              <a:buClrTx/>
-              <a:buSzTx/>
-              <a:buFontTx/>
-              <a:buNone/>
-              <a:tabLst/>
-              <a:defRPr/>
-            </a:pPr>
-            <a:r>
-              <a:rPr kumimoji="0" lang="en-US" sz="1100" b="1" i="0" u="none" strike="noStrike" kern="0" cap="none" spc="0" normalizeH="0" baseline="0" noProof="0" dirty="0" smtClean="0">
-                <a:ln>
-                  <a:noFill/>
-                </a:ln>
-                <a:solidFill>
-                  <a:prstClr val="white"/>
-                </a:solidFill>
-                <a:effectLst/>
-                <a:uLnTx/>
-                <a:uFillTx/>
-                <a:ea typeface="Arial Rounded MT Bold" charset="0"/>
-                <a:cs typeface="Arial Rounded MT Bold" charset="0"/>
-              </a:rPr>
-              <a:t>packet processing plugin 1</a:t>
-            </a:r>
-          </a:p>
-        </p:txBody>
-      </p:sp>
-      <p:sp>
-        <p:nvSpPr>
-          <p:cNvPr id="27" name="Rectangle à coins arrondis 26"/>
-          <p:cNvSpPr/>
-          <p:nvPr/>
-        </p:nvSpPr>
-        <p:spPr>
-          <a:xfrm>
-            <a:off x="5651354" y="2378369"/>
-            <a:ext cx="1141813" cy="890923"/>
-          </a:xfrm>
-          <a:prstGeom prst="roundRect">
-            <a:avLst/>
-          </a:prstGeom>
-          <a:solidFill>
-            <a:srgbClr val="1F8A4C"/>
-          </a:solidFill>
-          <a:ln w="12700" cap="flat" cmpd="sng" algn="ctr">
-            <a:noFill/>
-            <a:prstDash val="solid"/>
-            <a:miter lim="800000"/>
-          </a:ln>
-          <a:effectLst/>
-        </p:spPr>
-        <p:txBody>
-          <a:bodyPr lIns="36000" rIns="36000" rtlCol="0" anchor="ctr"/>
-          <a:lstStyle/>
-          <a:p>
-            <a:pPr marL="0" marR="0" lvl="0" indent="0" algn="ctr" defTabSz="914400" eaLnBrk="1" fontAlgn="auto" latinLnBrk="0" hangingPunct="1">
-              <a:lnSpc>
-                <a:spcPct val="100000"/>
-              </a:lnSpc>
-              <a:spcBef>
-                <a:spcPts val="0"/>
-              </a:spcBef>
-              <a:spcAft>
-                <a:spcPts val="0"/>
-              </a:spcAft>
-              <a:buClrTx/>
-              <a:buSzTx/>
-              <a:buFontTx/>
-              <a:buNone/>
-              <a:tabLst/>
-              <a:defRPr/>
-            </a:pPr>
-            <a:r>
-              <a:rPr kumimoji="0" lang="en-US" sz="1100" b="1" i="0" u="none" strike="noStrike" kern="0" cap="none" spc="0" normalizeH="0" baseline="0" noProof="0" dirty="0" smtClean="0">
-                <a:ln>
-                  <a:noFill/>
-                </a:ln>
-                <a:solidFill>
-                  <a:prstClr val="white"/>
-                </a:solidFill>
-                <a:effectLst/>
-                <a:uLnTx/>
-                <a:uFillTx/>
-                <a:ea typeface="Arial Rounded MT Bold" charset="0"/>
-                <a:cs typeface="Arial Rounded MT Bold" charset="0"/>
-              </a:rPr>
-              <a:t>packet processing plugin 3</a:t>
-            </a:r>
-          </a:p>
-        </p:txBody>
-      </p:sp>
-      <p:sp>
-        <p:nvSpPr>
-          <p:cNvPr id="28" name="Rectangle à coins arrondis 27"/>
-          <p:cNvSpPr/>
-          <p:nvPr/>
-        </p:nvSpPr>
-        <p:spPr>
-          <a:xfrm>
-            <a:off x="865040" y="2378369"/>
-            <a:ext cx="1141813" cy="890923"/>
-          </a:xfrm>
-          <a:prstGeom prst="roundRect">
-            <a:avLst/>
-          </a:prstGeom>
-          <a:solidFill>
-            <a:srgbClr val="1F8A4C"/>
-          </a:solidFill>
-          <a:ln w="12700" cap="flat" cmpd="sng" algn="ctr">
-            <a:noFill/>
-            <a:prstDash val="solid"/>
-            <a:miter lim="800000"/>
-          </a:ln>
-          <a:effectLst/>
-        </p:spPr>
-        <p:txBody>
-          <a:bodyPr lIns="36000" rIns="36000" rtlCol="0" anchor="ctr"/>
-          <a:lstStyle/>
-          <a:p>
-            <a:pPr marL="0" marR="0" lvl="0" indent="0" algn="ctr" defTabSz="914400" eaLnBrk="1" fontAlgn="auto" latinLnBrk="0" hangingPunct="1">
-              <a:lnSpc>
-                <a:spcPct val="100000"/>
-              </a:lnSpc>
-              <a:spcBef>
-                <a:spcPts val="0"/>
-              </a:spcBef>
-              <a:spcAft>
-                <a:spcPts val="0"/>
-              </a:spcAft>
-              <a:buClrTx/>
-              <a:buSzTx/>
-              <a:buFontTx/>
-              <a:buNone/>
-              <a:tabLst/>
-              <a:defRPr/>
-            </a:pPr>
-            <a:r>
-              <a:rPr kumimoji="0" lang="en-US" sz="1100" b="1" i="0" u="none" strike="noStrike" kern="0" cap="none" spc="0" normalizeH="0" baseline="0" noProof="0" dirty="0" smtClean="0">
-                <a:ln>
-                  <a:noFill/>
-                </a:ln>
-                <a:solidFill>
-                  <a:prstClr val="white"/>
-                </a:solidFill>
-                <a:effectLst/>
-                <a:uLnTx/>
-                <a:uFillTx/>
-                <a:ea typeface="Arial Rounded MT Bold" charset="0"/>
-                <a:cs typeface="Arial Rounded MT Bold" charset="0"/>
-              </a:rPr>
-              <a:t>input plugin</a:t>
-            </a:r>
-          </a:p>
-        </p:txBody>
-      </p:sp>
-      <p:sp>
-        <p:nvSpPr>
-          <p:cNvPr id="29" name="Rectangle à coins arrondis 28"/>
-          <p:cNvSpPr/>
-          <p:nvPr/>
-        </p:nvSpPr>
-        <p:spPr>
-          <a:xfrm>
-            <a:off x="7246790" y="2378369"/>
-            <a:ext cx="1141813" cy="890923"/>
-          </a:xfrm>
-          <a:prstGeom prst="roundRect">
-            <a:avLst/>
-          </a:prstGeom>
-          <a:solidFill>
-            <a:srgbClr val="1F8A4C"/>
-          </a:solidFill>
-          <a:ln w="12700" cap="flat" cmpd="sng" algn="ctr">
-            <a:noFill/>
-            <a:prstDash val="solid"/>
-            <a:miter lim="800000"/>
-          </a:ln>
-          <a:effectLst/>
-        </p:spPr>
-        <p:txBody>
-          <a:bodyPr lIns="36000" rIns="36000" rtlCol="0" anchor="ctr"/>
-          <a:lstStyle/>
-          <a:p>
-            <a:pPr marL="0" marR="0" lvl="0" indent="0" algn="ctr" defTabSz="914400" eaLnBrk="1" fontAlgn="auto" latinLnBrk="0" hangingPunct="1">
-              <a:lnSpc>
-                <a:spcPct val="100000"/>
-              </a:lnSpc>
-              <a:spcBef>
-                <a:spcPts val="0"/>
-              </a:spcBef>
-              <a:spcAft>
-                <a:spcPts val="0"/>
-              </a:spcAft>
-              <a:buClrTx/>
-              <a:buSzTx/>
-              <a:buFontTx/>
-              <a:buNone/>
-              <a:tabLst/>
-              <a:defRPr/>
-            </a:pPr>
-            <a:r>
-              <a:rPr kumimoji="0" lang="en-US" sz="1100" b="1" i="0" u="none" strike="noStrike" kern="0" cap="none" spc="0" normalizeH="0" baseline="0" noProof="0" dirty="0" smtClean="0">
-                <a:ln>
-                  <a:noFill/>
-                </a:ln>
-                <a:solidFill>
-                  <a:prstClr val="white"/>
-                </a:solidFill>
-                <a:effectLst/>
-                <a:uLnTx/>
-                <a:uFillTx/>
-                <a:ea typeface="Arial Rounded MT Bold" charset="0"/>
-                <a:cs typeface="Arial Rounded MT Bold" charset="0"/>
-              </a:rPr>
-              <a:t>output plugin</a:t>
-            </a:r>
-          </a:p>
-        </p:txBody>
-      </p:sp>
-      <p:cxnSp>
-        <p:nvCxnSpPr>
-          <p:cNvPr id="30" name="Connecteur droit avec flèche 29"/>
-          <p:cNvCxnSpPr>
-            <a:endCxn id="28" idx="2"/>
-          </p:cNvCxnSpPr>
-          <p:nvPr/>
-        </p:nvCxnSpPr>
-        <p:spPr>
-          <a:xfrm flipV="1">
-            <a:off x="1435947" y="3269292"/>
-            <a:ext cx="0" cy="801319"/>
-          </a:xfrm>
-          <a:prstGeom prst="straightConnector1">
-            <a:avLst/>
-          </a:prstGeom>
-          <a:noFill/>
-          <a:ln w="19050" cap="flat" cmpd="sng" algn="ctr">
-            <a:solidFill>
-              <a:sysClr val="windowText" lastClr="000000"/>
-            </a:solidFill>
-            <a:prstDash val="sysDash"/>
-            <a:miter lim="800000"/>
-            <a:tailEnd type="triangle"/>
-          </a:ln>
-          <a:effectLst/>
-        </p:spPr>
-      </p:cxnSp>
-      <p:cxnSp>
-        <p:nvCxnSpPr>
-          <p:cNvPr id="31" name="Connecteur droit avec flèche 30"/>
-          <p:cNvCxnSpPr>
-            <a:stCxn id="29" idx="2"/>
-          </p:cNvCxnSpPr>
-          <p:nvPr/>
-        </p:nvCxnSpPr>
-        <p:spPr>
-          <a:xfrm>
-            <a:off x="7817697" y="3269292"/>
-            <a:ext cx="0" cy="801319"/>
-          </a:xfrm>
-          <a:prstGeom prst="straightConnector1">
-            <a:avLst/>
-          </a:prstGeom>
-          <a:noFill/>
-          <a:ln w="19050" cap="flat" cmpd="sng" algn="ctr">
-            <a:solidFill>
-              <a:sysClr val="windowText" lastClr="000000"/>
-            </a:solidFill>
-            <a:prstDash val="sysDash"/>
-            <a:miter lim="800000"/>
-            <a:tailEnd type="triangle"/>
-          </a:ln>
-          <a:effectLst/>
-        </p:spPr>
-      </p:cxnSp>
-      <p:sp>
-        <p:nvSpPr>
-          <p:cNvPr id="32" name="ZoneTexte 31"/>
-          <p:cNvSpPr txBox="1"/>
-          <p:nvPr/>
-        </p:nvSpPr>
-        <p:spPr>
-          <a:xfrm>
-            <a:off x="1559315" y="3887803"/>
-            <a:ext cx="1044530" cy="184666"/>
+      <p:pic>
+        <p:nvPicPr>
+          <p:cNvPr id="3074" name="Picture 2"/>
+          <p:cNvPicPr>
+            <a:picLocks noChangeAspect="1" noChangeArrowheads="1"/>
+          </p:cNvPicPr>
+          <p:nvPr/>
+        </p:nvPicPr>
+        <p:blipFill>
+          <a:blip r:embed="rId3" cstate="print">
+            <a:extLst>
+              <a:ext uri="{28A0092B-C50C-407E-A947-70E740481C1C}">
+                <a14:useLocalDpi xmlns:a14="http://schemas.microsoft.com/office/drawing/2010/main" val="0"/>
+              </a:ext>
+            </a:extLst>
+          </a:blip>
+          <a:srcRect/>
+          <a:stretch>
+            <a:fillRect/>
+          </a:stretch>
+        </p:blipFill>
+        <p:spPr bwMode="auto">
+          <a:xfrm>
+            <a:off x="5785276" y="2563396"/>
+            <a:ext cx="1883068" cy="1448514"/>
           </a:xfrm>
           <a:prstGeom prst="rect">
             <a:avLst/>
           </a:prstGeom>
           <a:noFill/>
-        </p:spPr>
-        <p:txBody>
-          <a:bodyPr wrap="square" lIns="0" tIns="0" rIns="0" bIns="0" rtlCol="0">
-            <a:spAutoFit/>
-          </a:bodyPr>
-          <a:lstStyle/>
-          <a:p>
-            <a:pPr marL="0" marR="0" lvl="0" indent="0" defTabSz="914400" eaLnBrk="1" fontAlgn="auto" latinLnBrk="0" hangingPunct="1">
-              <a:lnSpc>
-                <a:spcPct val="100000"/>
-              </a:lnSpc>
-              <a:spcBef>
-                <a:spcPts val="0"/>
-              </a:spcBef>
-              <a:spcAft>
-                <a:spcPts val="0"/>
-              </a:spcAft>
-              <a:buClrTx/>
-              <a:buSzTx/>
-              <a:buFontTx/>
-              <a:buNone/>
-              <a:tabLst/>
-              <a:defRPr/>
-            </a:pPr>
-            <a:r>
-              <a:rPr kumimoji="0" lang="en-US" sz="1200" b="1" i="0" u="none" strike="noStrike" kern="0" cap="none" spc="0" normalizeH="0" baseline="0" noProof="0" dirty="0" smtClean="0">
-                <a:ln>
-                  <a:noFill/>
-                </a:ln>
+          <a:ln>
+            <a:noFill/>
+          </a:ln>
+          <a:effectLst/>
+          <a:extLst>
+            <a:ext uri="{909E8E84-426E-40DD-AFC4-6F175D3DCCD1}">
+              <a14:hiddenFill xmlns:a14="http://schemas.microsoft.com/office/drawing/2010/main">
                 <a:solidFill>
-                  <a:prstClr val="black"/>
+                  <a:schemeClr val="accent1"/>
                 </a:solidFill>
-                <a:effectLst/>
-                <a:uLnTx/>
-                <a:uFillTx/>
-                <a:ea typeface="Arial Rounded MT Bold" charset="0"/>
-                <a:cs typeface="Arial Rounded MT Bold" charset="0"/>
-              </a:rPr>
-              <a:t>input TS</a:t>
-            </a:r>
-          </a:p>
-        </p:txBody>
-      </p:sp>
-      <p:sp>
-        <p:nvSpPr>
-          <p:cNvPr id="33" name="ZoneTexte 32"/>
-          <p:cNvSpPr txBox="1"/>
-          <p:nvPr/>
-        </p:nvSpPr>
-        <p:spPr>
-          <a:xfrm>
-            <a:off x="6635721" y="3887803"/>
-            <a:ext cx="1044530" cy="184666"/>
+              </a14:hiddenFill>
+            </a:ext>
+            <a:ext uri="{91240B29-F687-4F45-9708-019B960494DF}">
+              <a14:hiddenLine xmlns:a14="http://schemas.microsoft.com/office/drawing/2010/main" w="9525">
+                <a:solidFill>
+                  <a:schemeClr val="tx1"/>
+                </a:solidFill>
+                <a:miter lim="800000"/>
+                <a:headEnd/>
+                <a:tailEnd/>
+              </a14:hiddenLine>
+            </a:ext>
+            <a:ext uri="{AF507438-7753-43E0-B8FC-AC1667EBCBE1}">
+              <a14:hiddenEffects xmlns:a14="http://schemas.microsoft.com/office/drawing/2010/main">
+                <a:effectLst>
+                  <a:outerShdw dist="35921" dir="2700000" algn="ctr" rotWithShape="0">
+                    <a:schemeClr val="bg2"/>
+                  </a:outerShdw>
+                </a:effectLst>
+              </a14:hiddenEffects>
+            </a:ext>
+          </a:extLst>
+        </p:spPr>
+      </p:pic>
+      <p:pic>
+        <p:nvPicPr>
+          <p:cNvPr id="3075" name="Picture 3"/>
+          <p:cNvPicPr>
+            <a:picLocks noChangeAspect="1" noChangeArrowheads="1"/>
+          </p:cNvPicPr>
+          <p:nvPr/>
+        </p:nvPicPr>
+        <p:blipFill>
+          <a:blip r:embed="rId4">
+            <a:extLst>
+              <a:ext uri="{28A0092B-C50C-407E-A947-70E740481C1C}">
+                <a14:useLocalDpi xmlns:a14="http://schemas.microsoft.com/office/drawing/2010/main" val="0"/>
+              </a:ext>
+            </a:extLst>
+          </a:blip>
+          <a:srcRect/>
+          <a:stretch>
+            <a:fillRect/>
+          </a:stretch>
+        </p:blipFill>
+        <p:spPr bwMode="auto">
+          <a:xfrm flipH="1">
+            <a:off x="7665197" y="3543632"/>
+            <a:ext cx="1011259" cy="828318"/>
           </a:xfrm>
           <a:prstGeom prst="rect">
             <a:avLst/>
           </a:prstGeom>
           <a:noFill/>
-        </p:spPr>
-        <p:txBody>
-          <a:bodyPr wrap="square" lIns="0" tIns="0" rIns="0" bIns="0" rtlCol="0">
-            <a:spAutoFit/>
-          </a:bodyPr>
-          <a:lstStyle/>
-          <a:p>
-            <a:pPr marL="0" marR="0" lvl="0" indent="0" algn="r" defTabSz="914400" eaLnBrk="1" fontAlgn="auto" latinLnBrk="0" hangingPunct="1">
-              <a:lnSpc>
-                <a:spcPct val="100000"/>
-              </a:lnSpc>
-              <a:spcBef>
-                <a:spcPts val="0"/>
-              </a:spcBef>
-              <a:spcAft>
-                <a:spcPts val="0"/>
-              </a:spcAft>
-              <a:buClrTx/>
-              <a:buSzTx/>
-              <a:buFontTx/>
-              <a:buNone/>
-              <a:tabLst/>
-              <a:defRPr/>
-            </a:pPr>
-            <a:r>
-              <a:rPr kumimoji="0" lang="en-US" sz="1200" b="1" i="0" u="none" strike="noStrike" kern="0" cap="none" spc="0" normalizeH="0" baseline="0" noProof="0" dirty="0" smtClean="0">
-                <a:ln>
-                  <a:noFill/>
-                </a:ln>
+          <a:ln>
+            <a:noFill/>
+          </a:ln>
+          <a:effectLst/>
+          <a:extLst>
+            <a:ext uri="{909E8E84-426E-40DD-AFC4-6F175D3DCCD1}">
+              <a14:hiddenFill xmlns:a14="http://schemas.microsoft.com/office/drawing/2010/main">
                 <a:solidFill>
-                  <a:prstClr val="black"/>
+                  <a:schemeClr val="accent1"/>
                 </a:solidFill>
-                <a:effectLst/>
-                <a:uLnTx/>
-                <a:uFillTx/>
-                <a:ea typeface="Arial Rounded MT Bold" charset="0"/>
-                <a:cs typeface="Arial Rounded MT Bold" charset="0"/>
-              </a:rPr>
-              <a:t>output TS</a:t>
-            </a:r>
-          </a:p>
-        </p:txBody>
-      </p:sp>
-      <p:sp>
-        <p:nvSpPr>
-          <p:cNvPr id="34" name="Arc 33"/>
-          <p:cNvSpPr/>
-          <p:nvPr/>
-        </p:nvSpPr>
-        <p:spPr>
-          <a:xfrm>
-            <a:off x="1559313" y="1950829"/>
-            <a:ext cx="1325663" cy="911402"/>
-          </a:xfrm>
-          <a:prstGeom prst="arc">
-            <a:avLst>
-              <a:gd name="adj1" fmla="val 10863990"/>
-              <a:gd name="adj2" fmla="val 0"/>
-            </a:avLst>
+              </a14:hiddenFill>
+            </a:ext>
+            <a:ext uri="{91240B29-F687-4F45-9708-019B960494DF}">
+              <a14:hiddenLine xmlns:a14="http://schemas.microsoft.com/office/drawing/2010/main" w="9525">
+                <a:solidFill>
+                  <a:schemeClr val="tx1"/>
+                </a:solidFill>
+                <a:miter lim="800000"/>
+                <a:headEnd/>
+                <a:tailEnd/>
+              </a14:hiddenLine>
+            </a:ext>
+            <a:ext uri="{AF507438-7753-43E0-B8FC-AC1667EBCBE1}">
+              <a14:hiddenEffects xmlns:a14="http://schemas.microsoft.com/office/drawing/2010/main">
+                <a:effectLst>
+                  <a:outerShdw dist="35921" dir="2700000" algn="ctr" rotWithShape="0">
+                    <a:schemeClr val="bg2"/>
+                  </a:outerShdw>
+                </a:effectLst>
+              </a14:hiddenEffects>
+            </a:ext>
+          </a:extLst>
+        </p:spPr>
+      </p:pic>
+      <p:pic>
+        <p:nvPicPr>
+          <p:cNvPr id="3078" name="Picture 6"/>
+          <p:cNvPicPr>
+            <a:picLocks noChangeAspect="1" noChangeArrowheads="1"/>
+          </p:cNvPicPr>
+          <p:nvPr/>
+        </p:nvPicPr>
+        <p:blipFill>
+          <a:blip r:embed="rId5" cstate="print">
+            <a:extLst>
+              <a:ext uri="{28A0092B-C50C-407E-A947-70E740481C1C}">
+                <a14:useLocalDpi xmlns:a14="http://schemas.microsoft.com/office/drawing/2010/main" val="0"/>
+              </a:ext>
+            </a:extLst>
+          </a:blip>
+          <a:srcRect/>
+          <a:stretch>
+            <a:fillRect/>
+          </a:stretch>
+        </p:blipFill>
+        <p:spPr bwMode="auto">
+          <a:xfrm>
+            <a:off x="4849310" y="2377174"/>
+            <a:ext cx="1193261" cy="802471"/>
+          </a:xfrm>
+          <a:prstGeom prst="rect">
+            <a:avLst/>
           </a:prstGeom>
           <a:noFill/>
-          <a:ln w="19050" cap="flat" cmpd="sng" algn="ctr">
-            <a:solidFill>
-              <a:sysClr val="windowText" lastClr="000000"/>
-            </a:solidFill>
-            <a:prstDash val="sysDash"/>
-            <a:miter lim="800000"/>
-            <a:tailEnd type="triangle"/>
+          <a:ln>
+            <a:noFill/>
           </a:ln>
           <a:effectLst/>
-        </p:spPr>
-        <p:txBody>
-          <a:bodyPr rtlCol="0" anchor="ctr"/>
-          <a:lstStyle/>
-          <a:p>
-            <a:pPr marL="0" marR="0" lvl="0" indent="0" algn="ctr" defTabSz="914400" eaLnBrk="1" fontAlgn="auto" latinLnBrk="0" hangingPunct="1">
-              <a:lnSpc>
-                <a:spcPct val="100000"/>
-              </a:lnSpc>
-              <a:spcBef>
-                <a:spcPts val="0"/>
-              </a:spcBef>
-              <a:spcAft>
-                <a:spcPts val="0"/>
-              </a:spcAft>
-              <a:buClrTx/>
-              <a:buSzTx/>
-              <a:buFontTx/>
-              <a:buNone/>
-              <a:tabLst/>
-              <a:defRPr/>
-            </a:pPr>
-            <a:endParaRPr kumimoji="0" lang="en-US" sz="2800" b="1" i="0" u="none" strike="noStrike" kern="0" cap="none" spc="0" normalizeH="0" baseline="0" noProof="0" dirty="0" smtClean="0">
-              <a:ln>
-                <a:noFill/>
-              </a:ln>
-              <a:solidFill>
-                <a:prstClr val="black"/>
-              </a:solidFill>
-              <a:effectLst/>
-              <a:uLnTx/>
-              <a:uFillTx/>
-              <a:ea typeface="Arial Rounded MT Bold" charset="0"/>
-              <a:cs typeface="Arial Rounded MT Bold" charset="0"/>
-            </a:endParaRPr>
-          </a:p>
-        </p:txBody>
-      </p:sp>
-      <p:sp>
-        <p:nvSpPr>
-          <p:cNvPr id="35" name="Arc 34"/>
-          <p:cNvSpPr/>
-          <p:nvPr/>
-        </p:nvSpPr>
-        <p:spPr>
-          <a:xfrm>
-            <a:off x="3146109" y="1935470"/>
-            <a:ext cx="1325663" cy="911402"/>
-          </a:xfrm>
-          <a:prstGeom prst="arc">
-            <a:avLst>
-              <a:gd name="adj1" fmla="val 10863990"/>
-              <a:gd name="adj2" fmla="val 0"/>
-            </a:avLst>
-          </a:prstGeom>
-          <a:noFill/>
-          <a:ln w="19050" cap="flat" cmpd="sng" algn="ctr">
-            <a:solidFill>
-              <a:sysClr val="windowText" lastClr="000000"/>
-            </a:solidFill>
-            <a:prstDash val="sysDash"/>
-            <a:miter lim="800000"/>
-            <a:tailEnd type="triangle"/>
-          </a:ln>
-          <a:effectLst/>
-        </p:spPr>
-        <p:txBody>
-          <a:bodyPr rtlCol="0" anchor="ctr"/>
-          <a:lstStyle/>
-          <a:p>
-            <a:pPr marL="0" marR="0" lvl="0" indent="0" algn="ctr" defTabSz="914400" eaLnBrk="1" fontAlgn="auto" latinLnBrk="0" hangingPunct="1">
-              <a:lnSpc>
-                <a:spcPct val="100000"/>
-              </a:lnSpc>
-              <a:spcBef>
-                <a:spcPts val="0"/>
-              </a:spcBef>
-              <a:spcAft>
-                <a:spcPts val="0"/>
-              </a:spcAft>
-              <a:buClrTx/>
-              <a:buSzTx/>
-              <a:buFontTx/>
-              <a:buNone/>
-              <a:tabLst/>
-              <a:defRPr/>
-            </a:pPr>
-            <a:endParaRPr kumimoji="0" lang="en-US" sz="2800" b="1" i="0" u="none" strike="noStrike" kern="0" cap="none" spc="0" normalizeH="0" baseline="0" noProof="0" dirty="0" smtClean="0">
-              <a:ln>
-                <a:noFill/>
-              </a:ln>
-              <a:solidFill>
-                <a:prstClr val="black"/>
-              </a:solidFill>
-              <a:effectLst/>
-              <a:uLnTx/>
-              <a:uFillTx/>
-              <a:ea typeface="Arial Rounded MT Bold" charset="0"/>
-              <a:cs typeface="Arial Rounded MT Bold" charset="0"/>
-            </a:endParaRPr>
-          </a:p>
-        </p:txBody>
-      </p:sp>
-      <p:sp>
-        <p:nvSpPr>
-          <p:cNvPr id="36" name="Arc 35"/>
-          <p:cNvSpPr/>
-          <p:nvPr/>
-        </p:nvSpPr>
-        <p:spPr>
-          <a:xfrm>
-            <a:off x="4763626" y="1920111"/>
-            <a:ext cx="1325663" cy="911402"/>
-          </a:xfrm>
-          <a:prstGeom prst="arc">
-            <a:avLst>
-              <a:gd name="adj1" fmla="val 10863990"/>
-              <a:gd name="adj2" fmla="val 0"/>
-            </a:avLst>
-          </a:prstGeom>
-          <a:noFill/>
-          <a:ln w="19050" cap="flat" cmpd="sng" algn="ctr">
-            <a:solidFill>
-              <a:sysClr val="windowText" lastClr="000000"/>
-            </a:solidFill>
-            <a:prstDash val="sysDash"/>
-            <a:miter lim="800000"/>
-            <a:tailEnd type="triangle"/>
-          </a:ln>
-          <a:effectLst/>
-        </p:spPr>
-        <p:txBody>
-          <a:bodyPr rtlCol="0" anchor="ctr"/>
-          <a:lstStyle/>
-          <a:p>
-            <a:pPr marL="0" marR="0" lvl="0" indent="0" algn="ctr" defTabSz="914400" eaLnBrk="1" fontAlgn="auto" latinLnBrk="0" hangingPunct="1">
-              <a:lnSpc>
-                <a:spcPct val="100000"/>
-              </a:lnSpc>
-              <a:spcBef>
-                <a:spcPts val="0"/>
-              </a:spcBef>
-              <a:spcAft>
-                <a:spcPts val="0"/>
-              </a:spcAft>
-              <a:buClrTx/>
-              <a:buSzTx/>
-              <a:buFontTx/>
-              <a:buNone/>
-              <a:tabLst/>
-              <a:defRPr/>
-            </a:pPr>
-            <a:endParaRPr kumimoji="0" lang="en-US" sz="2800" b="1" i="0" u="none" strike="noStrike" kern="0" cap="none" spc="0" normalizeH="0" baseline="0" noProof="0" dirty="0" smtClean="0">
-              <a:ln>
-                <a:noFill/>
-              </a:ln>
-              <a:solidFill>
-                <a:prstClr val="black"/>
-              </a:solidFill>
-              <a:effectLst/>
-              <a:uLnTx/>
-              <a:uFillTx/>
-              <a:ea typeface="Arial Rounded MT Bold" charset="0"/>
-              <a:cs typeface="Arial Rounded MT Bold" charset="0"/>
-            </a:endParaRPr>
-          </a:p>
-        </p:txBody>
-      </p:sp>
-      <p:sp>
-        <p:nvSpPr>
-          <p:cNvPr id="37" name="Arc 36"/>
-          <p:cNvSpPr/>
-          <p:nvPr/>
-        </p:nvSpPr>
-        <p:spPr>
-          <a:xfrm>
-            <a:off x="6360662" y="1904752"/>
-            <a:ext cx="1325663" cy="911402"/>
-          </a:xfrm>
-          <a:prstGeom prst="arc">
-            <a:avLst>
-              <a:gd name="adj1" fmla="val 10863990"/>
-              <a:gd name="adj2" fmla="val 0"/>
-            </a:avLst>
-          </a:prstGeom>
-          <a:noFill/>
-          <a:ln w="19050" cap="flat" cmpd="sng" algn="ctr">
-            <a:solidFill>
-              <a:sysClr val="windowText" lastClr="000000"/>
-            </a:solidFill>
-            <a:prstDash val="sysDash"/>
-            <a:miter lim="800000"/>
-            <a:tailEnd type="triangle"/>
-          </a:ln>
-          <a:effectLst/>
-        </p:spPr>
-        <p:txBody>
-          <a:bodyPr rtlCol="0" anchor="ctr"/>
-          <a:lstStyle/>
-          <a:p>
-            <a:pPr marL="0" marR="0" lvl="0" indent="0" algn="ctr" defTabSz="914400" eaLnBrk="1" fontAlgn="auto" latinLnBrk="0" hangingPunct="1">
-              <a:lnSpc>
-                <a:spcPct val="100000"/>
-              </a:lnSpc>
-              <a:spcBef>
-                <a:spcPts val="0"/>
-              </a:spcBef>
-              <a:spcAft>
-                <a:spcPts val="0"/>
-              </a:spcAft>
-              <a:buClrTx/>
-              <a:buSzTx/>
-              <a:buFontTx/>
-              <a:buNone/>
-              <a:tabLst/>
-              <a:defRPr/>
-            </a:pPr>
-            <a:endParaRPr kumimoji="0" lang="en-US" sz="2800" b="1" i="0" u="none" strike="noStrike" kern="0" cap="none" spc="0" normalizeH="0" baseline="0" noProof="0" dirty="0" smtClean="0">
-              <a:ln>
-                <a:noFill/>
-              </a:ln>
-              <a:solidFill>
-                <a:prstClr val="black"/>
-              </a:solidFill>
-              <a:effectLst/>
-              <a:uLnTx/>
-              <a:uFillTx/>
-              <a:ea typeface="Arial Rounded MT Bold" charset="0"/>
-              <a:cs typeface="Arial Rounded MT Bold" charset="0"/>
-            </a:endParaRPr>
-          </a:p>
-        </p:txBody>
-      </p:sp>
-      <p:sp>
-        <p:nvSpPr>
-          <p:cNvPr id="18" name="Espace réservé du contenu 1"/>
-          <p:cNvSpPr>
-            <a:spLocks noGrp="1"/>
-          </p:cNvSpPr>
-          <p:nvPr>
-            <p:ph idx="1"/>
-          </p:nvPr>
-        </p:nvSpPr>
-        <p:spPr>
-          <a:xfrm>
-            <a:off x="1203667" y="4182176"/>
-            <a:ext cx="6536209" cy="849892"/>
-          </a:xfrm>
-        </p:spPr>
-        <p:txBody>
-          <a:bodyPr>
-            <a:normAutofit/>
-          </a:bodyPr>
-          <a:lstStyle/>
-          <a:p>
-            <a:pPr marL="630238" lvl="2" indent="0" algn="ctr">
-              <a:buNone/>
-            </a:pPr>
-            <a:r>
-              <a:rPr lang="en-US" dirty="0" smtClean="0"/>
-              <a:t>combination </a:t>
-            </a:r>
-            <a:r>
-              <a:rPr lang="en-US" dirty="0" smtClean="0"/>
-              <a:t>of elementary processing using plugins</a:t>
-            </a:r>
-          </a:p>
-          <a:p>
-            <a:pPr marL="630238" lvl="2" indent="0" algn="ctr">
-              <a:buNone/>
-            </a:pPr>
-            <a:r>
-              <a:rPr lang="en-US" dirty="0" smtClean="0"/>
-              <a:t>60+ standard plugins </a:t>
-            </a:r>
-            <a:r>
-              <a:rPr lang="en-US" dirty="0" smtClean="0"/>
-              <a:t>available</a:t>
-            </a:r>
-            <a:endParaRPr lang="en-US" dirty="0" smtClean="0"/>
-          </a:p>
-        </p:txBody>
-      </p:sp>
+          <a:extLst>
+            <a:ext uri="{909E8E84-426E-40DD-AFC4-6F175D3DCCD1}">
+              <a14:hiddenFill xmlns:a14="http://schemas.microsoft.com/office/drawing/2010/main">
+                <a:solidFill>
+                  <a:schemeClr val="accent1"/>
+                </a:solidFill>
+              </a14:hiddenFill>
+            </a:ext>
+            <a:ext uri="{91240B29-F687-4F45-9708-019B960494DF}">
+              <a14:hiddenLine xmlns:a14="http://schemas.microsoft.com/office/drawing/2010/main" w="9525">
+                <a:solidFill>
+                  <a:schemeClr val="tx1"/>
+                </a:solidFill>
+                <a:miter lim="800000"/>
+                <a:headEnd/>
+                <a:tailEnd/>
+              </a14:hiddenLine>
+            </a:ext>
+            <a:ext uri="{AF507438-7753-43E0-B8FC-AC1667EBCBE1}">
+              <a14:hiddenEffects xmlns:a14="http://schemas.microsoft.com/office/drawing/2010/main">
+                <a:effectLst>
+                  <a:outerShdw dist="35921" dir="2700000" algn="ctr" rotWithShape="0">
+                    <a:schemeClr val="bg2"/>
+                  </a:outerShdw>
+                </a:effectLst>
+              </a14:hiddenEffects>
+            </a:ext>
+          </a:extLst>
+        </p:spPr>
+      </p:pic>
     </p:spTree>
     <p:extLst>
       <p:ext uri="{BB962C8B-B14F-4D97-AF65-F5344CB8AC3E}">
-        <p14:creationId xmlns:p14="http://schemas.microsoft.com/office/powerpoint/2010/main" val="3207508894"/>
+        <p14:creationId xmlns:p14="http://schemas.microsoft.com/office/powerpoint/2010/main" val="2497923946"/>
       </p:ext>
     </p:extLst>
   </p:cSld>
